--- a/ppt/Java_AILaptopMall開發.pptx
+++ b/ppt/Java_AILaptopMall開發.pptx
@@ -233,7 +233,7 @@
           <a:p>
             <a:fld id="{42DB6BBA-35AC-4C23-AAF0-9ABB5E4986B6}" type="datetimeFigureOut">
               <a:rPr lang="zh-CN" altLang="en-US" smtClean="0"/>
-              <a:t>2024/10/16</a:t>
+              <a:t>2024/10/20</a:t>
             </a:fld>
             <a:endParaRPr lang="zh-CN" altLang="en-US"/>
           </a:p>
@@ -1092,7 +1092,7 @@
         <p14:pan dir="u"/>
       </p:transition>
     </mc:Choice>
-    <mc:Fallback xmlns:p159="http://schemas.microsoft.com/office/powerpoint/2015/09/main" xmlns:p15="http://schemas.microsoft.com/office/powerpoint/2012/main" xmlns:a14="http://schemas.microsoft.com/office/drawing/2010/main" xmlns:wp="http://schemas.openxmlformats.org/drawingml/2006/wordprocessingDrawing" xmlns:w="http://schemas.openxmlformats.org/wordprocessingml/2006/main" xmlns:m="http://schemas.openxmlformats.org/officeDocument/2006/math" xmlns="">
+    <mc:Fallback xmlns="" xmlns:m="http://schemas.openxmlformats.org/officeDocument/2006/math" xmlns:w="http://schemas.openxmlformats.org/wordprocessingml/2006/main" xmlns:wp="http://schemas.openxmlformats.org/drawingml/2006/wordprocessingDrawing" xmlns:a14="http://schemas.microsoft.com/office/drawing/2010/main" xmlns:p15="http://schemas.microsoft.com/office/powerpoint/2012/main" xmlns:p159="http://schemas.microsoft.com/office/powerpoint/2015/09/main">
       <p:transition spd="slow" advClick="0">
         <p:fade/>
       </p:transition>
@@ -1134,7 +1134,7 @@
         <p14:pan dir="u"/>
       </p:transition>
     </mc:Choice>
-    <mc:Fallback xmlns:p159="http://schemas.microsoft.com/office/powerpoint/2015/09/main" xmlns:p15="http://schemas.microsoft.com/office/powerpoint/2012/main" xmlns:a14="http://schemas.microsoft.com/office/drawing/2010/main" xmlns:wp="http://schemas.openxmlformats.org/drawingml/2006/wordprocessingDrawing" xmlns:w="http://schemas.openxmlformats.org/wordprocessingml/2006/main" xmlns:m="http://schemas.openxmlformats.org/officeDocument/2006/math" xmlns="">
+    <mc:Fallback xmlns="" xmlns:m="http://schemas.openxmlformats.org/officeDocument/2006/math" xmlns:w="http://schemas.openxmlformats.org/wordprocessingml/2006/main" xmlns:wp="http://schemas.openxmlformats.org/drawingml/2006/wordprocessingDrawing" xmlns:a14="http://schemas.microsoft.com/office/drawing/2010/main" xmlns:p15="http://schemas.microsoft.com/office/powerpoint/2012/main" xmlns:p159="http://schemas.microsoft.com/office/powerpoint/2015/09/main">
       <p:transition spd="slow" advClick="0">
         <p:fade/>
       </p:transition>
@@ -1176,7 +1176,7 @@
         <p14:pan dir="u"/>
       </p:transition>
     </mc:Choice>
-    <mc:Fallback xmlns:p159="http://schemas.microsoft.com/office/powerpoint/2015/09/main" xmlns:p15="http://schemas.microsoft.com/office/powerpoint/2012/main" xmlns:a14="http://schemas.microsoft.com/office/drawing/2010/main" xmlns:wp="http://schemas.openxmlformats.org/drawingml/2006/wordprocessingDrawing" xmlns:w="http://schemas.openxmlformats.org/wordprocessingml/2006/main" xmlns:m="http://schemas.openxmlformats.org/officeDocument/2006/math" xmlns="">
+    <mc:Fallback xmlns="" xmlns:m="http://schemas.openxmlformats.org/officeDocument/2006/math" xmlns:w="http://schemas.openxmlformats.org/wordprocessingml/2006/main" xmlns:wp="http://schemas.openxmlformats.org/drawingml/2006/wordprocessingDrawing" xmlns:a14="http://schemas.microsoft.com/office/drawing/2010/main" xmlns:p15="http://schemas.microsoft.com/office/powerpoint/2012/main" xmlns:p159="http://schemas.microsoft.com/office/powerpoint/2015/09/main">
       <p:transition spd="slow" advClick="0">
         <p:fade/>
       </p:transition>
@@ -1281,7 +1281,7 @@
                 <a:latin typeface="Source Han Sans TC"/>
                 <a:ea typeface="Source Han Sans TC"/>
               </a:rPr>
-              <a:t>2024/10/16</a:t>
+              <a:t>2024/10/20</a:t>
             </a:fld>
             <a:endParaRPr lang="zh-CN" altLang="en-US"/>
           </a:p>
@@ -1380,7 +1380,7 @@
         <p14:pan dir="u"/>
       </p:transition>
     </mc:Choice>
-    <mc:Fallback xmlns:p159="http://schemas.microsoft.com/office/powerpoint/2015/09/main" xmlns:p15="http://schemas.microsoft.com/office/powerpoint/2012/main" xmlns:a14="http://schemas.microsoft.com/office/drawing/2010/main" xmlns:wp="http://schemas.openxmlformats.org/drawingml/2006/wordprocessingDrawing" xmlns:w="http://schemas.openxmlformats.org/wordprocessingml/2006/main" xmlns:m="http://schemas.openxmlformats.org/officeDocument/2006/math" xmlns="">
+    <mc:Fallback xmlns="" xmlns:m="http://schemas.openxmlformats.org/officeDocument/2006/math" xmlns:w="http://schemas.openxmlformats.org/wordprocessingml/2006/main" xmlns:wp="http://schemas.openxmlformats.org/drawingml/2006/wordprocessingDrawing" xmlns:a14="http://schemas.microsoft.com/office/drawing/2010/main" xmlns:p15="http://schemas.microsoft.com/office/powerpoint/2012/main" xmlns:p159="http://schemas.microsoft.com/office/powerpoint/2015/09/main">
       <p:transition spd="slow" advClick="0">
         <p:fade/>
       </p:transition>
@@ -1443,7 +1443,7 @@
                 <a:latin typeface="Source Han Sans TC"/>
                 <a:ea typeface="Source Han Sans TC"/>
               </a:rPr>
-              <a:t>2024/10/16</a:t>
+              <a:t>2024/10/20</a:t>
             </a:fld>
             <a:endParaRPr lang="zh-CN" altLang="en-US"/>
           </a:p>
@@ -1542,7 +1542,7 @@
         <p14:pan dir="u"/>
       </p:transition>
     </mc:Choice>
-    <mc:Fallback xmlns:p159="http://schemas.microsoft.com/office/powerpoint/2015/09/main" xmlns:p15="http://schemas.microsoft.com/office/powerpoint/2012/main" xmlns:a14="http://schemas.microsoft.com/office/drawing/2010/main" xmlns:wp="http://schemas.openxmlformats.org/drawingml/2006/wordprocessingDrawing" xmlns:w="http://schemas.openxmlformats.org/wordprocessingml/2006/main" xmlns:m="http://schemas.openxmlformats.org/officeDocument/2006/math" xmlns="">
+    <mc:Fallback xmlns="" xmlns:m="http://schemas.openxmlformats.org/officeDocument/2006/math" xmlns:w="http://schemas.openxmlformats.org/wordprocessingml/2006/main" xmlns:wp="http://schemas.openxmlformats.org/drawingml/2006/wordprocessingDrawing" xmlns:a14="http://schemas.microsoft.com/office/drawing/2010/main" xmlns:p15="http://schemas.microsoft.com/office/powerpoint/2012/main" xmlns:p159="http://schemas.microsoft.com/office/powerpoint/2015/09/main">
       <p:transition spd="slow" advClick="0">
         <p:fade/>
       </p:transition>
@@ -1584,7 +1584,7 @@
         <p14:pan dir="u"/>
       </p:transition>
     </mc:Choice>
-    <mc:Fallback xmlns:p159="http://schemas.microsoft.com/office/powerpoint/2015/09/main" xmlns:p15="http://schemas.microsoft.com/office/powerpoint/2012/main" xmlns:a14="http://schemas.microsoft.com/office/drawing/2010/main" xmlns:wp="http://schemas.openxmlformats.org/drawingml/2006/wordprocessingDrawing" xmlns:w="http://schemas.openxmlformats.org/wordprocessingml/2006/main" xmlns:m="http://schemas.openxmlformats.org/officeDocument/2006/math" xmlns="">
+    <mc:Fallback xmlns="" xmlns:m="http://schemas.openxmlformats.org/officeDocument/2006/math" xmlns:w="http://schemas.openxmlformats.org/wordprocessingml/2006/main" xmlns:wp="http://schemas.openxmlformats.org/drawingml/2006/wordprocessingDrawing" xmlns:a14="http://schemas.microsoft.com/office/drawing/2010/main" xmlns:p15="http://schemas.microsoft.com/office/powerpoint/2012/main" xmlns:p159="http://schemas.microsoft.com/office/powerpoint/2015/09/main">
       <p:transition spd="slow" advClick="0">
         <p:fade/>
       </p:transition>
@@ -1741,7 +1741,7 @@
         <p14:pan dir="u"/>
       </p:transition>
     </mc:Choice>
-    <mc:Fallback xmlns:p159="http://schemas.microsoft.com/office/powerpoint/2015/09/main" xmlns:p15="http://schemas.microsoft.com/office/powerpoint/2012/main" xmlns:a14="http://schemas.microsoft.com/office/drawing/2010/main" xmlns:wp="http://schemas.openxmlformats.org/drawingml/2006/wordprocessingDrawing" xmlns:w="http://schemas.openxmlformats.org/wordprocessingml/2006/main" xmlns:m="http://schemas.openxmlformats.org/officeDocument/2006/math" xmlns="">
+    <mc:Fallback xmlns="" xmlns:m="http://schemas.openxmlformats.org/officeDocument/2006/math" xmlns:w="http://schemas.openxmlformats.org/wordprocessingml/2006/main" xmlns:wp="http://schemas.openxmlformats.org/drawingml/2006/wordprocessingDrawing" xmlns:a14="http://schemas.microsoft.com/office/drawing/2010/main" xmlns:p15="http://schemas.microsoft.com/office/powerpoint/2012/main" xmlns:p159="http://schemas.microsoft.com/office/powerpoint/2015/09/main">
       <p:transition spd="slow" advClick="0">
         <p:fade/>
       </p:transition>
@@ -2721,7 +2721,7 @@
         <p14:pan dir="u"/>
       </p:transition>
     </mc:Choice>
-    <mc:Fallback xmlns:p159="http://schemas.microsoft.com/office/powerpoint/2015/09/main" xmlns:p15="http://schemas.microsoft.com/office/powerpoint/2012/main" xmlns:a14="http://schemas.microsoft.com/office/drawing/2010/main" xmlns:wp="http://schemas.openxmlformats.org/drawingml/2006/wordprocessingDrawing" xmlns:w="http://schemas.openxmlformats.org/wordprocessingml/2006/main" xmlns:m="http://schemas.openxmlformats.org/officeDocument/2006/math" xmlns="">
+    <mc:Fallback xmlns="" xmlns:m="http://schemas.openxmlformats.org/officeDocument/2006/math" xmlns:w="http://schemas.openxmlformats.org/wordprocessingml/2006/main" xmlns:wp="http://schemas.openxmlformats.org/drawingml/2006/wordprocessingDrawing" xmlns:a14="http://schemas.microsoft.com/office/drawing/2010/main" xmlns:p15="http://schemas.microsoft.com/office/powerpoint/2012/main" xmlns:p159="http://schemas.microsoft.com/office/powerpoint/2015/09/main">
       <p:transition spd="slow" advClick="0">
         <p:fade/>
       </p:transition>
@@ -3461,7 +3461,7 @@
         <p14:pan dir="u"/>
       </p:transition>
     </mc:Choice>
-    <mc:Fallback xmlns:p159="http://schemas.microsoft.com/office/powerpoint/2015/09/main" xmlns:p15="http://schemas.microsoft.com/office/powerpoint/2012/main" xmlns:a14="http://schemas.microsoft.com/office/drawing/2010/main" xmlns:wp="http://schemas.openxmlformats.org/drawingml/2006/wordprocessingDrawing" xmlns:w="http://schemas.openxmlformats.org/wordprocessingml/2006/main" xmlns:m="http://schemas.openxmlformats.org/officeDocument/2006/math" xmlns="">
+    <mc:Fallback xmlns="" xmlns:m="http://schemas.openxmlformats.org/officeDocument/2006/math" xmlns:w="http://schemas.openxmlformats.org/wordprocessingml/2006/main" xmlns:wp="http://schemas.openxmlformats.org/drawingml/2006/wordprocessingDrawing" xmlns:a14="http://schemas.microsoft.com/office/drawing/2010/main" xmlns:p15="http://schemas.microsoft.com/office/powerpoint/2012/main" xmlns:p159="http://schemas.microsoft.com/office/powerpoint/2015/09/main">
       <p:transition spd="slow" advClick="0">
         <p:fade/>
       </p:transition>
@@ -5075,7 +5075,7 @@
         <p14:pan dir="u"/>
       </p:transition>
     </mc:Choice>
-    <mc:Fallback xmlns:p159="http://schemas.microsoft.com/office/powerpoint/2015/09/main" xmlns:p15="http://schemas.microsoft.com/office/powerpoint/2012/main" xmlns:a14="http://schemas.microsoft.com/office/drawing/2010/main" xmlns:wp="http://schemas.openxmlformats.org/drawingml/2006/wordprocessingDrawing" xmlns:w="http://schemas.openxmlformats.org/wordprocessingml/2006/main" xmlns:m="http://schemas.openxmlformats.org/officeDocument/2006/math" xmlns="">
+    <mc:Fallback xmlns="" xmlns:m="http://schemas.openxmlformats.org/officeDocument/2006/math" xmlns:w="http://schemas.openxmlformats.org/wordprocessingml/2006/main" xmlns:wp="http://schemas.openxmlformats.org/drawingml/2006/wordprocessingDrawing" xmlns:a14="http://schemas.microsoft.com/office/drawing/2010/main" xmlns:p15="http://schemas.microsoft.com/office/powerpoint/2012/main" xmlns:p159="http://schemas.microsoft.com/office/powerpoint/2015/09/main">
       <p:transition spd="slow" advClick="0">
         <p:fade/>
       </p:transition>
@@ -5679,7 +5679,7 @@
         <p14:pan dir="u"/>
       </p:transition>
     </mc:Choice>
-    <mc:Fallback xmlns:p159="http://schemas.microsoft.com/office/powerpoint/2015/09/main" xmlns:p15="http://schemas.microsoft.com/office/powerpoint/2012/main" xmlns:a14="http://schemas.microsoft.com/office/drawing/2010/main" xmlns:wp="http://schemas.openxmlformats.org/drawingml/2006/wordprocessingDrawing" xmlns:w="http://schemas.openxmlformats.org/wordprocessingml/2006/main" xmlns:m="http://schemas.openxmlformats.org/officeDocument/2006/math" xmlns="">
+    <mc:Fallback xmlns="" xmlns:m="http://schemas.openxmlformats.org/officeDocument/2006/math" xmlns:w="http://schemas.openxmlformats.org/wordprocessingml/2006/main" xmlns:wp="http://schemas.openxmlformats.org/drawingml/2006/wordprocessingDrawing" xmlns:a14="http://schemas.microsoft.com/office/drawing/2010/main" xmlns:p15="http://schemas.microsoft.com/office/powerpoint/2012/main" xmlns:p159="http://schemas.microsoft.com/office/powerpoint/2015/09/main">
       <p:transition spd="slow" advClick="0">
         <p:fade/>
       </p:transition>
@@ -6065,7 +6065,7 @@
                   </a:extLst>
                 </a:hlinkClick>
               </a:rPr>
-              <a:t>http://5648-12:8080/ailaptopmall/</a:t>
+              <a:t>https://5648-12:8080/ailaptopmall/</a:t>
             </a:r>
             <a:endParaRPr lang="zh-TW" altLang="en-US" sz="4800" dirty="0">
               <a:latin typeface="微软雅黑" panose="020B0503020204020204" pitchFamily="34" charset="-122"/>
@@ -6160,7 +6160,7 @@
         <p14:pan dir="u"/>
       </p:transition>
     </mc:Choice>
-    <mc:Fallback xmlns:p159="http://schemas.microsoft.com/office/powerpoint/2015/09/main" xmlns:p15="http://schemas.microsoft.com/office/powerpoint/2012/main" xmlns:a14="http://schemas.microsoft.com/office/drawing/2010/main" xmlns:wp="http://schemas.openxmlformats.org/drawingml/2006/wordprocessingDrawing" xmlns:w="http://schemas.openxmlformats.org/wordprocessingml/2006/main" xmlns:m="http://schemas.openxmlformats.org/officeDocument/2006/math" xmlns="">
+    <mc:Fallback xmlns="" xmlns:m="http://schemas.openxmlformats.org/officeDocument/2006/math" xmlns:w="http://schemas.openxmlformats.org/wordprocessingml/2006/main" xmlns:wp="http://schemas.openxmlformats.org/drawingml/2006/wordprocessingDrawing" xmlns:a14="http://schemas.microsoft.com/office/drawing/2010/main" xmlns:p15="http://schemas.microsoft.com/office/powerpoint/2012/main" xmlns:p159="http://schemas.microsoft.com/office/powerpoint/2015/09/main">
       <p:transition spd="slow" advClick="0">
         <p:fade/>
       </p:transition>
@@ -6585,7 +6585,7 @@
         <p14:ferris dir="l"/>
       </p:transition>
     </mc:Choice>
-    <mc:Fallback xmlns:p159="http://schemas.microsoft.com/office/powerpoint/2015/09/main" xmlns:p15="http://schemas.microsoft.com/office/powerpoint/2012/main" xmlns:a14="http://schemas.microsoft.com/office/drawing/2010/main" xmlns:wp="http://schemas.openxmlformats.org/drawingml/2006/wordprocessingDrawing" xmlns:w="http://schemas.openxmlformats.org/wordprocessingml/2006/main" xmlns:m="http://schemas.openxmlformats.org/officeDocument/2006/math" xmlns="">
+    <mc:Fallback xmlns="" xmlns:m="http://schemas.openxmlformats.org/officeDocument/2006/math" xmlns:w="http://schemas.openxmlformats.org/wordprocessingml/2006/main" xmlns:wp="http://schemas.openxmlformats.org/drawingml/2006/wordprocessingDrawing" xmlns:a14="http://schemas.microsoft.com/office/drawing/2010/main" xmlns:p15="http://schemas.microsoft.com/office/powerpoint/2012/main" xmlns:p159="http://schemas.microsoft.com/office/powerpoint/2015/09/main">
       <p:transition spd="slow" advClick="0">
         <p:fade/>
       </p:transition>
@@ -7119,7 +7119,7 @@
         <p14:pan dir="u"/>
       </p:transition>
     </mc:Choice>
-    <mc:Fallback xmlns:p159="http://schemas.microsoft.com/office/powerpoint/2015/09/main" xmlns:p15="http://schemas.microsoft.com/office/powerpoint/2012/main" xmlns:a14="http://schemas.microsoft.com/office/drawing/2010/main" xmlns:wp="http://schemas.openxmlformats.org/drawingml/2006/wordprocessingDrawing" xmlns:w="http://schemas.openxmlformats.org/wordprocessingml/2006/main" xmlns:m="http://schemas.openxmlformats.org/officeDocument/2006/math" xmlns="">
+    <mc:Fallback xmlns="" xmlns:m="http://schemas.openxmlformats.org/officeDocument/2006/math" xmlns:w="http://schemas.openxmlformats.org/wordprocessingml/2006/main" xmlns:wp="http://schemas.openxmlformats.org/drawingml/2006/wordprocessingDrawing" xmlns:a14="http://schemas.microsoft.com/office/drawing/2010/main" xmlns:p15="http://schemas.microsoft.com/office/powerpoint/2012/main" xmlns:p159="http://schemas.microsoft.com/office/powerpoint/2015/09/main">
       <p:transition spd="slow" advClick="0">
         <p:fade/>
       </p:transition>
@@ -7604,7 +7604,7 @@
         <p14:pan dir="u"/>
       </p:transition>
     </mc:Choice>
-    <mc:Fallback xmlns:p159="http://schemas.microsoft.com/office/powerpoint/2015/09/main" xmlns:p15="http://schemas.microsoft.com/office/powerpoint/2012/main" xmlns:a14="http://schemas.microsoft.com/office/drawing/2010/main" xmlns:wp="http://schemas.openxmlformats.org/drawingml/2006/wordprocessingDrawing" xmlns:w="http://schemas.openxmlformats.org/wordprocessingml/2006/main" xmlns:m="http://schemas.openxmlformats.org/officeDocument/2006/math" xmlns="">
+    <mc:Fallback xmlns="" xmlns:m="http://schemas.openxmlformats.org/officeDocument/2006/math" xmlns:w="http://schemas.openxmlformats.org/wordprocessingml/2006/main" xmlns:wp="http://schemas.openxmlformats.org/drawingml/2006/wordprocessingDrawing" xmlns:a14="http://schemas.microsoft.com/office/drawing/2010/main" xmlns:p15="http://schemas.microsoft.com/office/powerpoint/2012/main" xmlns:p159="http://schemas.microsoft.com/office/powerpoint/2015/09/main">
       <p:transition spd="slow" advClick="0">
         <p:fade/>
       </p:transition>
@@ -8184,7 +8184,7 @@
         <p14:pan dir="u"/>
       </p:transition>
     </mc:Choice>
-    <mc:Fallback xmlns:p159="http://schemas.microsoft.com/office/powerpoint/2015/09/main" xmlns:p15="http://schemas.microsoft.com/office/powerpoint/2012/main" xmlns:a14="http://schemas.microsoft.com/office/drawing/2010/main" xmlns:wp="http://schemas.openxmlformats.org/drawingml/2006/wordprocessingDrawing" xmlns:w="http://schemas.openxmlformats.org/wordprocessingml/2006/main" xmlns:m="http://schemas.openxmlformats.org/officeDocument/2006/math" xmlns="">
+    <mc:Fallback xmlns="" xmlns:m="http://schemas.openxmlformats.org/officeDocument/2006/math" xmlns:w="http://schemas.openxmlformats.org/wordprocessingml/2006/main" xmlns:wp="http://schemas.openxmlformats.org/drawingml/2006/wordprocessingDrawing" xmlns:a14="http://schemas.microsoft.com/office/drawing/2010/main" xmlns:p15="http://schemas.microsoft.com/office/powerpoint/2012/main" xmlns:p159="http://schemas.microsoft.com/office/powerpoint/2015/09/main">
       <p:transition spd="slow" advClick="0">
         <p:fade/>
       </p:transition>
@@ -9681,7 +9681,7 @@
         <p14:pan dir="u"/>
       </p:transition>
     </mc:Choice>
-    <mc:Fallback xmlns:p159="http://schemas.microsoft.com/office/powerpoint/2015/09/main" xmlns:p15="http://schemas.microsoft.com/office/powerpoint/2012/main" xmlns:a14="http://schemas.microsoft.com/office/drawing/2010/main" xmlns:wp="http://schemas.openxmlformats.org/drawingml/2006/wordprocessingDrawing" xmlns:w="http://schemas.openxmlformats.org/wordprocessingml/2006/main" xmlns:m="http://schemas.openxmlformats.org/officeDocument/2006/math" xmlns="">
+    <mc:Fallback xmlns="" xmlns:m="http://schemas.openxmlformats.org/officeDocument/2006/math" xmlns:w="http://schemas.openxmlformats.org/wordprocessingml/2006/main" xmlns:wp="http://schemas.openxmlformats.org/drawingml/2006/wordprocessingDrawing" xmlns:a14="http://schemas.microsoft.com/office/drawing/2010/main" xmlns:p15="http://schemas.microsoft.com/office/powerpoint/2012/main" xmlns:p159="http://schemas.microsoft.com/office/powerpoint/2015/09/main">
       <p:transition spd="slow" advClick="0">
         <p:fade/>
       </p:transition>
@@ -10273,7 +10273,7 @@
         <p14:pan dir="u"/>
       </p:transition>
     </mc:Choice>
-    <mc:Fallback xmlns:p159="http://schemas.microsoft.com/office/powerpoint/2015/09/main" xmlns:p15="http://schemas.microsoft.com/office/powerpoint/2012/main" xmlns:a14="http://schemas.microsoft.com/office/drawing/2010/main" xmlns:wp="http://schemas.openxmlformats.org/drawingml/2006/wordprocessingDrawing" xmlns:w="http://schemas.openxmlformats.org/wordprocessingml/2006/main" xmlns:m="http://schemas.openxmlformats.org/officeDocument/2006/math" xmlns="">
+    <mc:Fallback xmlns="" xmlns:m="http://schemas.openxmlformats.org/officeDocument/2006/math" xmlns:w="http://schemas.openxmlformats.org/wordprocessingml/2006/main" xmlns:wp="http://schemas.openxmlformats.org/drawingml/2006/wordprocessingDrawing" xmlns:a14="http://schemas.microsoft.com/office/drawing/2010/main" xmlns:p15="http://schemas.microsoft.com/office/powerpoint/2012/main" xmlns:p159="http://schemas.microsoft.com/office/powerpoint/2015/09/main">
       <p:transition spd="slow" advClick="0">
         <p:fade/>
       </p:transition>
@@ -10529,7 +10529,7 @@
         </p:nvSpPr>
         <p:spPr>
           <a:xfrm>
-            <a:off x="2503043" y="404839"/>
+            <a:off x="2503043" y="202420"/>
             <a:ext cx="5990508" cy="773512"/>
           </a:xfrm>
           <a:prstGeom prst="rect">
@@ -10665,6 +10665,36 @@
           </a:p>
         </p:txBody>
       </p:sp>
+      <p:pic>
+        <p:nvPicPr>
+          <p:cNvPr id="6" name="圖片 5">
+            <a:extLst>
+              <a:ext uri="{FF2B5EF4-FFF2-40B4-BE49-F238E27FC236}">
+                <a16:creationId xmlns:a16="http://schemas.microsoft.com/office/drawing/2014/main" id="{DC88B7C6-5E1A-03B0-F34C-72220DD317F1}"/>
+              </a:ext>
+            </a:extLst>
+          </p:cNvPr>
+          <p:cNvPicPr>
+            <a:picLocks noChangeAspect="1"/>
+          </p:cNvPicPr>
+          <p:nvPr/>
+        </p:nvPicPr>
+        <p:blipFill>
+          <a:blip r:embed="rId3"/>
+          <a:stretch>
+            <a:fillRect/>
+          </a:stretch>
+        </p:blipFill>
+        <p:spPr>
+          <a:xfrm>
+            <a:off x="1030733" y="975932"/>
+            <a:ext cx="9039224" cy="5831820"/>
+          </a:xfrm>
+          <a:prstGeom prst="rect">
+            <a:avLst/>
+          </a:prstGeom>
+        </p:spPr>
+      </p:pic>
     </p:spTree>
     <p:extLst>
       <p:ext uri="{BB962C8B-B14F-4D97-AF65-F5344CB8AC3E}">
@@ -10681,7 +10711,7 @@
         <p14:pan dir="u"/>
       </p:transition>
     </mc:Choice>
-    <mc:Fallback xmlns:p159="http://schemas.microsoft.com/office/powerpoint/2015/09/main" xmlns:p15="http://schemas.microsoft.com/office/powerpoint/2012/main" xmlns:a14="http://schemas.microsoft.com/office/drawing/2010/main" xmlns:wp="http://schemas.openxmlformats.org/drawingml/2006/wordprocessingDrawing" xmlns:w="http://schemas.openxmlformats.org/wordprocessingml/2006/main" xmlns:m="http://schemas.openxmlformats.org/officeDocument/2006/math" xmlns="">
+    <mc:Fallback xmlns="" xmlns:m="http://schemas.openxmlformats.org/officeDocument/2006/math" xmlns:w="http://schemas.openxmlformats.org/wordprocessingml/2006/main" xmlns:wp="http://schemas.openxmlformats.org/drawingml/2006/wordprocessingDrawing" xmlns:a14="http://schemas.microsoft.com/office/drawing/2010/main" xmlns:p15="http://schemas.microsoft.com/office/powerpoint/2012/main" xmlns:p159="http://schemas.microsoft.com/office/powerpoint/2015/09/main">
       <p:transition spd="slow" advClick="0">
         <p:fade/>
       </p:transition>
@@ -11273,7 +11303,7 @@
         <p14:pan dir="u"/>
       </p:transition>
     </mc:Choice>
-    <mc:Fallback xmlns:p159="http://schemas.microsoft.com/office/powerpoint/2015/09/main" xmlns:p15="http://schemas.microsoft.com/office/powerpoint/2012/main" xmlns:a14="http://schemas.microsoft.com/office/drawing/2010/main" xmlns:wp="http://schemas.openxmlformats.org/drawingml/2006/wordprocessingDrawing" xmlns:w="http://schemas.openxmlformats.org/wordprocessingml/2006/main" xmlns:m="http://schemas.openxmlformats.org/officeDocument/2006/math" xmlns="">
+    <mc:Fallback xmlns="" xmlns:m="http://schemas.openxmlformats.org/officeDocument/2006/math" xmlns:w="http://schemas.openxmlformats.org/wordprocessingml/2006/main" xmlns:wp="http://schemas.openxmlformats.org/drawingml/2006/wordprocessingDrawing" xmlns:a14="http://schemas.microsoft.com/office/drawing/2010/main" xmlns:p15="http://schemas.microsoft.com/office/powerpoint/2012/main" xmlns:p159="http://schemas.microsoft.com/office/powerpoint/2015/09/main">
       <p:transition spd="slow" advClick="0">
         <p:fade/>
       </p:transition>
@@ -11529,7 +11559,7 @@
         </p:nvSpPr>
         <p:spPr>
           <a:xfrm>
-            <a:off x="2503043" y="404839"/>
+            <a:off x="2514979" y="37086"/>
             <a:ext cx="5990508" cy="773512"/>
           </a:xfrm>
           <a:prstGeom prst="rect">
@@ -11656,6 +11686,921 @@
           </a:p>
         </p:txBody>
       </p:sp>
+      <p:pic>
+        <p:nvPicPr>
+          <p:cNvPr id="6" name="圖片 5">
+            <a:extLst>
+              <a:ext uri="{FF2B5EF4-FFF2-40B4-BE49-F238E27FC236}">
+                <a16:creationId xmlns:a16="http://schemas.microsoft.com/office/drawing/2014/main" id="{DDA05AE3-5E61-F6DA-7CE2-FBFF66412AFD}"/>
+              </a:ext>
+            </a:extLst>
+          </p:cNvPr>
+          <p:cNvPicPr>
+            <a:picLocks noChangeAspect="1"/>
+          </p:cNvPicPr>
+          <p:nvPr/>
+        </p:nvPicPr>
+        <p:blipFill>
+          <a:blip r:embed="rId3"/>
+          <a:stretch>
+            <a:fillRect/>
+          </a:stretch>
+        </p:blipFill>
+        <p:spPr>
+          <a:xfrm>
+            <a:off x="2028921" y="964123"/>
+            <a:ext cx="1097138" cy="3030557"/>
+          </a:xfrm>
+          <a:prstGeom prst="rect">
+            <a:avLst/>
+          </a:prstGeom>
+        </p:spPr>
+      </p:pic>
+      <p:pic>
+        <p:nvPicPr>
+          <p:cNvPr id="10" name="圖片 9">
+            <a:extLst>
+              <a:ext uri="{FF2B5EF4-FFF2-40B4-BE49-F238E27FC236}">
+                <a16:creationId xmlns:a16="http://schemas.microsoft.com/office/drawing/2014/main" id="{A5B30094-BC22-D185-31B9-D93E65A64845}"/>
+              </a:ext>
+            </a:extLst>
+          </p:cNvPr>
+          <p:cNvPicPr>
+            <a:picLocks noChangeAspect="1"/>
+          </p:cNvPicPr>
+          <p:nvPr/>
+        </p:nvPicPr>
+        <p:blipFill>
+          <a:blip r:embed="rId4"/>
+          <a:stretch>
+            <a:fillRect/>
+          </a:stretch>
+        </p:blipFill>
+        <p:spPr>
+          <a:xfrm>
+            <a:off x="2028921" y="4296806"/>
+            <a:ext cx="1052655" cy="2524108"/>
+          </a:xfrm>
+          <a:prstGeom prst="rect">
+            <a:avLst/>
+          </a:prstGeom>
+        </p:spPr>
+      </p:pic>
+      <p:pic>
+        <p:nvPicPr>
+          <p:cNvPr id="16" name="圖片 15">
+            <a:extLst>
+              <a:ext uri="{FF2B5EF4-FFF2-40B4-BE49-F238E27FC236}">
+                <a16:creationId xmlns:a16="http://schemas.microsoft.com/office/drawing/2014/main" id="{76319688-88B5-3DF8-B524-88EEDA6B7153}"/>
+              </a:ext>
+            </a:extLst>
+          </p:cNvPr>
+          <p:cNvPicPr>
+            <a:picLocks noChangeAspect="1"/>
+          </p:cNvPicPr>
+          <p:nvPr/>
+        </p:nvPicPr>
+        <p:blipFill>
+          <a:blip r:embed="rId5"/>
+          <a:stretch>
+            <a:fillRect/>
+          </a:stretch>
+        </p:blipFill>
+        <p:spPr>
+          <a:xfrm>
+            <a:off x="4004208" y="4641681"/>
+            <a:ext cx="1175212" cy="1745432"/>
+          </a:xfrm>
+          <a:prstGeom prst="rect">
+            <a:avLst/>
+          </a:prstGeom>
+        </p:spPr>
+      </p:pic>
+      <p:pic>
+        <p:nvPicPr>
+          <p:cNvPr id="18" name="圖片 17">
+            <a:extLst>
+              <a:ext uri="{FF2B5EF4-FFF2-40B4-BE49-F238E27FC236}">
+                <a16:creationId xmlns:a16="http://schemas.microsoft.com/office/drawing/2014/main" id="{B7600663-543D-F16C-990B-3B37101E3562}"/>
+              </a:ext>
+            </a:extLst>
+          </p:cNvPr>
+          <p:cNvPicPr>
+            <a:picLocks noChangeAspect="1"/>
+          </p:cNvPicPr>
+          <p:nvPr/>
+        </p:nvPicPr>
+        <p:blipFill>
+          <a:blip r:embed="rId6"/>
+          <a:stretch>
+            <a:fillRect/>
+          </a:stretch>
+        </p:blipFill>
+        <p:spPr>
+          <a:xfrm>
+            <a:off x="4050773" y="948694"/>
+            <a:ext cx="1118574" cy="2425997"/>
+          </a:xfrm>
+          <a:prstGeom prst="rect">
+            <a:avLst/>
+          </a:prstGeom>
+        </p:spPr>
+      </p:pic>
+      <p:pic>
+        <p:nvPicPr>
+          <p:cNvPr id="20" name="圖片 19">
+            <a:extLst>
+              <a:ext uri="{FF2B5EF4-FFF2-40B4-BE49-F238E27FC236}">
+                <a16:creationId xmlns:a16="http://schemas.microsoft.com/office/drawing/2014/main" id="{67F55512-DB4A-B376-6AE1-BB0F7DA64AEC}"/>
+              </a:ext>
+            </a:extLst>
+          </p:cNvPr>
+          <p:cNvPicPr>
+            <a:picLocks noChangeAspect="1"/>
+          </p:cNvPicPr>
+          <p:nvPr/>
+        </p:nvPicPr>
+        <p:blipFill>
+          <a:blip r:embed="rId7"/>
+          <a:stretch>
+            <a:fillRect/>
+          </a:stretch>
+        </p:blipFill>
+        <p:spPr>
+          <a:xfrm>
+            <a:off x="6338565" y="1045662"/>
+            <a:ext cx="1051999" cy="1405067"/>
+          </a:xfrm>
+          <a:prstGeom prst="rect">
+            <a:avLst/>
+          </a:prstGeom>
+        </p:spPr>
+      </p:pic>
+      <p:pic>
+        <p:nvPicPr>
+          <p:cNvPr id="22" name="圖片 21">
+            <a:extLst>
+              <a:ext uri="{FF2B5EF4-FFF2-40B4-BE49-F238E27FC236}">
+                <a16:creationId xmlns:a16="http://schemas.microsoft.com/office/drawing/2014/main" id="{BDB5FE38-410F-30CB-5E8C-06F6C73F7536}"/>
+              </a:ext>
+            </a:extLst>
+          </p:cNvPr>
+          <p:cNvPicPr>
+            <a:picLocks noChangeAspect="1"/>
+          </p:cNvPicPr>
+          <p:nvPr/>
+        </p:nvPicPr>
+        <p:blipFill>
+          <a:blip r:embed="rId8"/>
+          <a:stretch>
+            <a:fillRect/>
+          </a:stretch>
+        </p:blipFill>
+        <p:spPr>
+          <a:xfrm>
+            <a:off x="6353237" y="2827769"/>
+            <a:ext cx="1130178" cy="2106545"/>
+          </a:xfrm>
+          <a:prstGeom prst="rect">
+            <a:avLst/>
+          </a:prstGeom>
+        </p:spPr>
+      </p:pic>
+      <p:pic>
+        <p:nvPicPr>
+          <p:cNvPr id="24" name="圖片 23">
+            <a:extLst>
+              <a:ext uri="{FF2B5EF4-FFF2-40B4-BE49-F238E27FC236}">
+                <a16:creationId xmlns:a16="http://schemas.microsoft.com/office/drawing/2014/main" id="{AC865A43-D776-9879-EAD7-A813B55A6C14}"/>
+              </a:ext>
+            </a:extLst>
+          </p:cNvPr>
+          <p:cNvPicPr>
+            <a:picLocks noChangeAspect="1"/>
+          </p:cNvPicPr>
+          <p:nvPr/>
+        </p:nvPicPr>
+        <p:blipFill>
+          <a:blip r:embed="rId9"/>
+          <a:stretch>
+            <a:fillRect/>
+          </a:stretch>
+        </p:blipFill>
+        <p:spPr>
+          <a:xfrm>
+            <a:off x="8365328" y="4237708"/>
+            <a:ext cx="1130178" cy="1574630"/>
+          </a:xfrm>
+          <a:prstGeom prst="rect">
+            <a:avLst/>
+          </a:prstGeom>
+        </p:spPr>
+      </p:pic>
+      <p:pic>
+        <p:nvPicPr>
+          <p:cNvPr id="26" name="圖片 25">
+            <a:extLst>
+              <a:ext uri="{FF2B5EF4-FFF2-40B4-BE49-F238E27FC236}">
+                <a16:creationId xmlns:a16="http://schemas.microsoft.com/office/drawing/2014/main" id="{08D4A85F-9BA8-9C9C-E414-F7A7D2704ABE}"/>
+              </a:ext>
+            </a:extLst>
+          </p:cNvPr>
+          <p:cNvPicPr>
+            <a:picLocks noChangeAspect="1"/>
+          </p:cNvPicPr>
+          <p:nvPr/>
+        </p:nvPicPr>
+        <p:blipFill>
+          <a:blip r:embed="rId10"/>
+          <a:stretch>
+            <a:fillRect/>
+          </a:stretch>
+        </p:blipFill>
+        <p:spPr>
+          <a:xfrm>
+            <a:off x="2440948" y="3994680"/>
+            <a:ext cx="190797" cy="302126"/>
+          </a:xfrm>
+          <a:prstGeom prst="rect">
+            <a:avLst/>
+          </a:prstGeom>
+        </p:spPr>
+      </p:pic>
+      <p:pic>
+        <p:nvPicPr>
+          <p:cNvPr id="28" name="圖片 27">
+            <a:extLst>
+              <a:ext uri="{FF2B5EF4-FFF2-40B4-BE49-F238E27FC236}">
+                <a16:creationId xmlns:a16="http://schemas.microsoft.com/office/drawing/2014/main" id="{6F280FC4-AB94-3CC7-A195-BE10D4092F16}"/>
+              </a:ext>
+            </a:extLst>
+          </p:cNvPr>
+          <p:cNvPicPr>
+            <a:picLocks noChangeAspect="1"/>
+          </p:cNvPicPr>
+          <p:nvPr/>
+        </p:nvPicPr>
+        <p:blipFill>
+          <a:blip r:embed="rId11"/>
+          <a:stretch>
+            <a:fillRect/>
+          </a:stretch>
+        </p:blipFill>
+        <p:spPr>
+          <a:xfrm>
+            <a:off x="3117286" y="5366739"/>
+            <a:ext cx="886922" cy="295316"/>
+          </a:xfrm>
+          <a:prstGeom prst="rect">
+            <a:avLst/>
+          </a:prstGeom>
+        </p:spPr>
+      </p:pic>
+      <p:pic>
+        <p:nvPicPr>
+          <p:cNvPr id="30" name="圖片 29">
+            <a:extLst>
+              <a:ext uri="{FF2B5EF4-FFF2-40B4-BE49-F238E27FC236}">
+                <a16:creationId xmlns:a16="http://schemas.microsoft.com/office/drawing/2014/main" id="{C5D4ADEC-E9C7-7ABE-9043-6667BB631AE3}"/>
+              </a:ext>
+            </a:extLst>
+          </p:cNvPr>
+          <p:cNvPicPr>
+            <a:picLocks noChangeAspect="1"/>
+          </p:cNvPicPr>
+          <p:nvPr/>
+        </p:nvPicPr>
+        <p:blipFill>
+          <a:blip r:embed="rId12"/>
+          <a:stretch>
+            <a:fillRect/>
+          </a:stretch>
+        </p:blipFill>
+        <p:spPr>
+          <a:xfrm>
+            <a:off x="4482230" y="3395520"/>
+            <a:ext cx="250796" cy="1306218"/>
+          </a:xfrm>
+          <a:prstGeom prst="rect">
+            <a:avLst/>
+          </a:prstGeom>
+        </p:spPr>
+      </p:pic>
+      <p:pic>
+        <p:nvPicPr>
+          <p:cNvPr id="32" name="圖片 31">
+            <a:extLst>
+              <a:ext uri="{FF2B5EF4-FFF2-40B4-BE49-F238E27FC236}">
+                <a16:creationId xmlns:a16="http://schemas.microsoft.com/office/drawing/2014/main" id="{0A26DBFC-A644-67CF-BCF1-C4E1A35EA104}"/>
+              </a:ext>
+            </a:extLst>
+          </p:cNvPr>
+          <p:cNvPicPr>
+            <a:picLocks noChangeAspect="1"/>
+          </p:cNvPicPr>
+          <p:nvPr/>
+        </p:nvPicPr>
+        <p:blipFill>
+          <a:blip r:embed="rId13"/>
+          <a:stretch>
+            <a:fillRect/>
+          </a:stretch>
+        </p:blipFill>
+        <p:spPr>
+          <a:xfrm>
+            <a:off x="5181594" y="1605301"/>
+            <a:ext cx="1130178" cy="285790"/>
+          </a:xfrm>
+          <a:prstGeom prst="rect">
+            <a:avLst/>
+          </a:prstGeom>
+        </p:spPr>
+      </p:pic>
+      <p:pic>
+        <p:nvPicPr>
+          <p:cNvPr id="34" name="圖片 33">
+            <a:extLst>
+              <a:ext uri="{FF2B5EF4-FFF2-40B4-BE49-F238E27FC236}">
+                <a16:creationId xmlns:a16="http://schemas.microsoft.com/office/drawing/2014/main" id="{8AEC3011-F4B8-F561-480B-C05F16115738}"/>
+              </a:ext>
+            </a:extLst>
+          </p:cNvPr>
+          <p:cNvPicPr>
+            <a:picLocks noChangeAspect="1"/>
+          </p:cNvPicPr>
+          <p:nvPr/>
+        </p:nvPicPr>
+        <p:blipFill>
+          <a:blip r:embed="rId14"/>
+          <a:stretch>
+            <a:fillRect/>
+          </a:stretch>
+        </p:blipFill>
+        <p:spPr>
+          <a:xfrm>
+            <a:off x="5192884" y="2450729"/>
+            <a:ext cx="1136816" cy="1695014"/>
+          </a:xfrm>
+          <a:prstGeom prst="rect">
+            <a:avLst/>
+          </a:prstGeom>
+        </p:spPr>
+      </p:pic>
+      <p:sp>
+        <p:nvSpPr>
+          <p:cNvPr id="35" name="矩形: 圓角 34">
+            <a:extLst>
+              <a:ext uri="{FF2B5EF4-FFF2-40B4-BE49-F238E27FC236}">
+                <a16:creationId xmlns:a16="http://schemas.microsoft.com/office/drawing/2014/main" id="{F946D935-A1E5-72F1-AAFA-E3856584EB02}"/>
+              </a:ext>
+            </a:extLst>
+          </p:cNvPr>
+          <p:cNvSpPr/>
+          <p:nvPr/>
+        </p:nvSpPr>
+        <p:spPr>
+          <a:xfrm>
+            <a:off x="940119" y="1605301"/>
+            <a:ext cx="921472" cy="435291"/>
+          </a:xfrm>
+          <a:prstGeom prst="roundRect">
+            <a:avLst/>
+          </a:prstGeom>
+          <a:ln>
+            <a:solidFill>
+              <a:schemeClr val="tx1"/>
+            </a:solidFill>
+          </a:ln>
+        </p:spPr>
+        <p:style>
+          <a:lnRef idx="2">
+            <a:schemeClr val="accent6"/>
+          </a:lnRef>
+          <a:fillRef idx="1">
+            <a:schemeClr val="lt1"/>
+          </a:fillRef>
+          <a:effectRef idx="0">
+            <a:schemeClr val="accent6"/>
+          </a:effectRef>
+          <a:fontRef idx="minor">
+            <a:schemeClr val="dk1"/>
+          </a:fontRef>
+        </p:style>
+        <p:txBody>
+          <a:bodyPr rtlCol="0" anchor="ctr"/>
+          <a:lstStyle/>
+          <a:p>
+            <a:pPr algn="ctr"/>
+            <a:r>
+              <a:rPr lang="zh-TW" altLang="en-US" sz="2800" dirty="0">
+                <a:ln w="0"/>
+                <a:solidFill>
+                  <a:srgbClr val="FF0000"/>
+                </a:solidFill>
+                <a:effectLst>
+                  <a:outerShdw blurRad="38100" dist="19050" dir="2700000" algn="tl" rotWithShape="0">
+                    <a:schemeClr val="dk1">
+                      <a:alpha val="40000"/>
+                    </a:schemeClr>
+                  </a:outerShdw>
+                </a:effectLst>
+              </a:rPr>
+              <a:t>會</a:t>
+            </a:r>
+            <a:r>
+              <a:rPr lang="zh-TW" altLang="en-US" sz="2400" dirty="0">
+                <a:ln w="0"/>
+                <a:solidFill>
+                  <a:srgbClr val="FF0000"/>
+                </a:solidFill>
+                <a:effectLst>
+                  <a:outerShdw blurRad="38100" dist="19050" dir="2700000" algn="tl" rotWithShape="0">
+                    <a:schemeClr val="dk1">
+                      <a:alpha val="40000"/>
+                    </a:schemeClr>
+                  </a:outerShdw>
+                </a:effectLst>
+              </a:rPr>
+              <a:t>員</a:t>
+            </a:r>
+            <a:endParaRPr lang="zh-TW" altLang="en-US" sz="2400" dirty="0">
+              <a:ln w="0"/>
+              <a:solidFill>
+                <a:schemeClr val="tx1"/>
+              </a:solidFill>
+              <a:effectLst>
+                <a:outerShdw blurRad="38100" dist="19050" dir="2700000" algn="tl" rotWithShape="0">
+                  <a:schemeClr val="dk1">
+                    <a:alpha val="40000"/>
+                  </a:schemeClr>
+                </a:outerShdw>
+              </a:effectLst>
+            </a:endParaRPr>
+          </a:p>
+        </p:txBody>
+      </p:sp>
+      <p:sp>
+        <p:nvSpPr>
+          <p:cNvPr id="38" name="矩形: 圓角 37">
+            <a:extLst>
+              <a:ext uri="{FF2B5EF4-FFF2-40B4-BE49-F238E27FC236}">
+                <a16:creationId xmlns:a16="http://schemas.microsoft.com/office/drawing/2014/main" id="{395125CE-540D-8FA3-268D-BAFD3A179204}"/>
+              </a:ext>
+            </a:extLst>
+          </p:cNvPr>
+          <p:cNvSpPr/>
+          <p:nvPr/>
+        </p:nvSpPr>
+        <p:spPr>
+          <a:xfrm>
+            <a:off x="3210454" y="3395520"/>
+            <a:ext cx="959594" cy="435291"/>
+          </a:xfrm>
+          <a:prstGeom prst="roundRect">
+            <a:avLst/>
+          </a:prstGeom>
+          <a:ln>
+            <a:solidFill>
+              <a:schemeClr val="tx1"/>
+            </a:solidFill>
+          </a:ln>
+        </p:spPr>
+        <p:style>
+          <a:lnRef idx="2">
+            <a:schemeClr val="accent6"/>
+          </a:lnRef>
+          <a:fillRef idx="1">
+            <a:schemeClr val="lt1"/>
+          </a:fillRef>
+          <a:effectRef idx="0">
+            <a:schemeClr val="accent6"/>
+          </a:effectRef>
+          <a:fontRef idx="minor">
+            <a:schemeClr val="dk1"/>
+          </a:fontRef>
+        </p:style>
+        <p:txBody>
+          <a:bodyPr rtlCol="0" anchor="ctr"/>
+          <a:lstStyle/>
+          <a:p>
+            <a:pPr algn="ctr"/>
+            <a:r>
+              <a:rPr lang="zh-TW" altLang="en-US" sz="2800" dirty="0">
+                <a:ln w="0"/>
+                <a:solidFill>
+                  <a:srgbClr val="FF0000"/>
+                </a:solidFill>
+                <a:effectLst>
+                  <a:outerShdw blurRad="38100" dist="19050" dir="2700000" algn="tl" rotWithShape="0">
+                    <a:schemeClr val="dk1">
+                      <a:alpha val="40000"/>
+                    </a:schemeClr>
+                  </a:outerShdw>
+                </a:effectLst>
+              </a:rPr>
+              <a:t>產品</a:t>
+            </a:r>
+            <a:endParaRPr lang="zh-TW" altLang="en-US" sz="2400" dirty="0">
+              <a:ln w="0"/>
+              <a:solidFill>
+                <a:schemeClr val="tx1"/>
+              </a:solidFill>
+              <a:effectLst>
+                <a:outerShdw blurRad="38100" dist="19050" dir="2700000" algn="tl" rotWithShape="0">
+                  <a:schemeClr val="dk1">
+                    <a:alpha val="40000"/>
+                  </a:schemeClr>
+                </a:outerShdw>
+              </a:effectLst>
+            </a:endParaRPr>
+          </a:p>
+        </p:txBody>
+      </p:sp>
+      <p:sp>
+        <p:nvSpPr>
+          <p:cNvPr id="39" name="矩形: 圓角 38">
+            <a:extLst>
+              <a:ext uri="{FF2B5EF4-FFF2-40B4-BE49-F238E27FC236}">
+                <a16:creationId xmlns:a16="http://schemas.microsoft.com/office/drawing/2014/main" id="{7ED9C4A3-AE84-C736-9286-87DC6115C666}"/>
+              </a:ext>
+            </a:extLst>
+          </p:cNvPr>
+          <p:cNvSpPr/>
+          <p:nvPr/>
+        </p:nvSpPr>
+        <p:spPr>
+          <a:xfrm>
+            <a:off x="907517" y="4599763"/>
+            <a:ext cx="959594" cy="435291"/>
+          </a:xfrm>
+          <a:prstGeom prst="roundRect">
+            <a:avLst/>
+          </a:prstGeom>
+          <a:ln>
+            <a:solidFill>
+              <a:schemeClr val="tx1"/>
+            </a:solidFill>
+          </a:ln>
+        </p:spPr>
+        <p:style>
+          <a:lnRef idx="2">
+            <a:schemeClr val="accent6"/>
+          </a:lnRef>
+          <a:fillRef idx="1">
+            <a:schemeClr val="lt1"/>
+          </a:fillRef>
+          <a:effectRef idx="0">
+            <a:schemeClr val="accent6"/>
+          </a:effectRef>
+          <a:fontRef idx="minor">
+            <a:schemeClr val="dk1"/>
+          </a:fontRef>
+        </p:style>
+        <p:txBody>
+          <a:bodyPr rtlCol="0" anchor="ctr"/>
+          <a:lstStyle/>
+          <a:p>
+            <a:pPr algn="ctr"/>
+            <a:r>
+              <a:rPr lang="zh-TW" altLang="en-US" sz="2800" dirty="0">
+                <a:ln w="0"/>
+                <a:solidFill>
+                  <a:srgbClr val="FF0000"/>
+                </a:solidFill>
+                <a:effectLst>
+                  <a:outerShdw blurRad="38100" dist="19050" dir="2700000" algn="tl" rotWithShape="0">
+                    <a:schemeClr val="dk1">
+                      <a:alpha val="40000"/>
+                    </a:schemeClr>
+                  </a:outerShdw>
+                </a:effectLst>
+              </a:rPr>
+              <a:t>訂單</a:t>
+            </a:r>
+            <a:endParaRPr lang="zh-TW" altLang="en-US" sz="2400" dirty="0">
+              <a:ln w="0"/>
+              <a:solidFill>
+                <a:schemeClr val="tx1"/>
+              </a:solidFill>
+              <a:effectLst>
+                <a:outerShdw blurRad="38100" dist="19050" dir="2700000" algn="tl" rotWithShape="0">
+                  <a:schemeClr val="dk1">
+                    <a:alpha val="40000"/>
+                  </a:schemeClr>
+                </a:outerShdw>
+              </a:effectLst>
+            </a:endParaRPr>
+          </a:p>
+        </p:txBody>
+      </p:sp>
+      <p:sp>
+        <p:nvSpPr>
+          <p:cNvPr id="40" name="矩形: 圓角 39">
+            <a:extLst>
+              <a:ext uri="{FF2B5EF4-FFF2-40B4-BE49-F238E27FC236}">
+                <a16:creationId xmlns:a16="http://schemas.microsoft.com/office/drawing/2014/main" id="{F6DBC8ED-3276-1890-6146-FC3AF63293EF}"/>
+              </a:ext>
+            </a:extLst>
+          </p:cNvPr>
+          <p:cNvSpPr/>
+          <p:nvPr/>
+        </p:nvSpPr>
+        <p:spPr>
+          <a:xfrm>
+            <a:off x="5266885" y="6077820"/>
+            <a:ext cx="1676839" cy="435291"/>
+          </a:xfrm>
+          <a:prstGeom prst="roundRect">
+            <a:avLst/>
+          </a:prstGeom>
+          <a:ln>
+            <a:solidFill>
+              <a:schemeClr val="tx1"/>
+            </a:solidFill>
+          </a:ln>
+        </p:spPr>
+        <p:style>
+          <a:lnRef idx="2">
+            <a:schemeClr val="accent6"/>
+          </a:lnRef>
+          <a:fillRef idx="1">
+            <a:schemeClr val="lt1"/>
+          </a:fillRef>
+          <a:effectRef idx="0">
+            <a:schemeClr val="accent6"/>
+          </a:effectRef>
+          <a:fontRef idx="minor">
+            <a:schemeClr val="dk1"/>
+          </a:fontRef>
+        </p:style>
+        <p:txBody>
+          <a:bodyPr rtlCol="0" anchor="ctr"/>
+          <a:lstStyle/>
+          <a:p>
+            <a:pPr algn="ctr"/>
+            <a:r>
+              <a:rPr lang="zh-TW" altLang="en-US" sz="2800" dirty="0">
+                <a:ln w="0"/>
+                <a:solidFill>
+                  <a:srgbClr val="FF0000"/>
+                </a:solidFill>
+                <a:effectLst>
+                  <a:outerShdw blurRad="38100" dist="19050" dir="2700000" algn="tl" rotWithShape="0">
+                    <a:schemeClr val="dk1">
+                      <a:alpha val="40000"/>
+                    </a:schemeClr>
+                  </a:outerShdw>
+                </a:effectLst>
+              </a:rPr>
+              <a:t>訂單細項</a:t>
+            </a:r>
+            <a:endParaRPr lang="zh-TW" altLang="en-US" sz="2400" dirty="0">
+              <a:ln w="0"/>
+              <a:solidFill>
+                <a:schemeClr val="tx1"/>
+              </a:solidFill>
+              <a:effectLst>
+                <a:outerShdw blurRad="38100" dist="19050" dir="2700000" algn="tl" rotWithShape="0">
+                  <a:schemeClr val="dk1">
+                    <a:alpha val="40000"/>
+                  </a:schemeClr>
+                </a:outerShdw>
+              </a:effectLst>
+            </a:endParaRPr>
+          </a:p>
+        </p:txBody>
+      </p:sp>
+      <p:sp>
+        <p:nvSpPr>
+          <p:cNvPr id="41" name="矩形: 圓角 40">
+            <a:extLst>
+              <a:ext uri="{FF2B5EF4-FFF2-40B4-BE49-F238E27FC236}">
+                <a16:creationId xmlns:a16="http://schemas.microsoft.com/office/drawing/2014/main" id="{32C90E1F-F862-3404-53BB-1A0D657C7855}"/>
+              </a:ext>
+            </a:extLst>
+          </p:cNvPr>
+          <p:cNvSpPr/>
+          <p:nvPr/>
+        </p:nvSpPr>
+        <p:spPr>
+          <a:xfrm>
+            <a:off x="7417357" y="1045662"/>
+            <a:ext cx="2414220" cy="435291"/>
+          </a:xfrm>
+          <a:prstGeom prst="roundRect">
+            <a:avLst/>
+          </a:prstGeom>
+          <a:ln>
+            <a:solidFill>
+              <a:schemeClr val="tx1"/>
+            </a:solidFill>
+          </a:ln>
+        </p:spPr>
+        <p:style>
+          <a:lnRef idx="2">
+            <a:schemeClr val="accent6"/>
+          </a:lnRef>
+          <a:fillRef idx="1">
+            <a:schemeClr val="lt1"/>
+          </a:fillRef>
+          <a:effectRef idx="0">
+            <a:schemeClr val="accent6"/>
+          </a:effectRef>
+          <a:fontRef idx="minor">
+            <a:schemeClr val="dk1"/>
+          </a:fontRef>
+        </p:style>
+        <p:txBody>
+          <a:bodyPr rtlCol="0" anchor="ctr"/>
+          <a:lstStyle/>
+          <a:p>
+            <a:pPr algn="ctr"/>
+            <a:r>
+              <a:rPr lang="zh-TW" altLang="en-US" sz="2800" dirty="0">
+                <a:ln w="0"/>
+                <a:solidFill>
+                  <a:srgbClr val="FF0000"/>
+                </a:solidFill>
+                <a:effectLst>
+                  <a:outerShdw blurRad="38100" dist="19050" dir="2700000" algn="tl" rotWithShape="0">
+                    <a:schemeClr val="dk1">
+                      <a:alpha val="40000"/>
+                    </a:schemeClr>
+                  </a:outerShdw>
+                </a:effectLst>
+              </a:rPr>
+              <a:t>產品螢幕尺寸</a:t>
+            </a:r>
+            <a:endParaRPr lang="zh-TW" altLang="en-US" sz="2400" dirty="0">
+              <a:ln w="0"/>
+              <a:solidFill>
+                <a:schemeClr val="tx1"/>
+              </a:solidFill>
+              <a:effectLst>
+                <a:outerShdw blurRad="38100" dist="19050" dir="2700000" algn="tl" rotWithShape="0">
+                  <a:schemeClr val="dk1">
+                    <a:alpha val="40000"/>
+                  </a:schemeClr>
+                </a:outerShdw>
+              </a:effectLst>
+            </a:endParaRPr>
+          </a:p>
+        </p:txBody>
+      </p:sp>
+      <p:sp>
+        <p:nvSpPr>
+          <p:cNvPr id="42" name="矩形: 圓角 41">
+            <a:extLst>
+              <a:ext uri="{FF2B5EF4-FFF2-40B4-BE49-F238E27FC236}">
+                <a16:creationId xmlns:a16="http://schemas.microsoft.com/office/drawing/2014/main" id="{B5C47DDE-E0F2-7299-EECE-A352604CC28F}"/>
+              </a:ext>
+            </a:extLst>
+          </p:cNvPr>
+          <p:cNvSpPr/>
+          <p:nvPr/>
+        </p:nvSpPr>
+        <p:spPr>
+          <a:xfrm>
+            <a:off x="7526909" y="2871023"/>
+            <a:ext cx="1676839" cy="435291"/>
+          </a:xfrm>
+          <a:prstGeom prst="roundRect">
+            <a:avLst/>
+          </a:prstGeom>
+          <a:ln>
+            <a:solidFill>
+              <a:schemeClr val="tx1"/>
+            </a:solidFill>
+          </a:ln>
+        </p:spPr>
+        <p:style>
+          <a:lnRef idx="2">
+            <a:schemeClr val="accent6"/>
+          </a:lnRef>
+          <a:fillRef idx="1">
+            <a:schemeClr val="lt1"/>
+          </a:fillRef>
+          <a:effectRef idx="0">
+            <a:schemeClr val="accent6"/>
+          </a:effectRef>
+          <a:fontRef idx="minor">
+            <a:schemeClr val="dk1"/>
+          </a:fontRef>
+        </p:style>
+        <p:txBody>
+          <a:bodyPr rtlCol="0" anchor="ctr"/>
+          <a:lstStyle/>
+          <a:p>
+            <a:pPr algn="ctr"/>
+            <a:r>
+              <a:rPr lang="zh-TW" altLang="en-US" sz="2800" dirty="0">
+                <a:ln w="0"/>
+                <a:solidFill>
+                  <a:srgbClr val="FF0000"/>
+                </a:solidFill>
+                <a:effectLst>
+                  <a:outerShdw blurRad="38100" dist="19050" dir="2700000" algn="tl" rotWithShape="0">
+                    <a:schemeClr val="dk1">
+                      <a:alpha val="40000"/>
+                    </a:schemeClr>
+                  </a:outerShdw>
+                </a:effectLst>
+              </a:rPr>
+              <a:t>產品規格</a:t>
+            </a:r>
+            <a:endParaRPr lang="zh-TW" altLang="en-US" sz="2400" dirty="0">
+              <a:ln w="0"/>
+              <a:solidFill>
+                <a:schemeClr val="tx1"/>
+              </a:solidFill>
+              <a:effectLst>
+                <a:outerShdw blurRad="38100" dist="19050" dir="2700000" algn="tl" rotWithShape="0">
+                  <a:schemeClr val="dk1">
+                    <a:alpha val="40000"/>
+                  </a:schemeClr>
+                </a:outerShdw>
+              </a:effectLst>
+            </a:endParaRPr>
+          </a:p>
+        </p:txBody>
+      </p:sp>
+      <p:sp>
+        <p:nvSpPr>
+          <p:cNvPr id="43" name="矩形: 圓角 42">
+            <a:extLst>
+              <a:ext uri="{FF2B5EF4-FFF2-40B4-BE49-F238E27FC236}">
+                <a16:creationId xmlns:a16="http://schemas.microsoft.com/office/drawing/2014/main" id="{3F5FC1F2-DF8C-BA5F-A78F-E8CFA01B6833}"/>
+              </a:ext>
+            </a:extLst>
+          </p:cNvPr>
+          <p:cNvSpPr/>
+          <p:nvPr/>
+        </p:nvSpPr>
+        <p:spPr>
+          <a:xfrm>
+            <a:off x="9614895" y="4296806"/>
+            <a:ext cx="1676839" cy="435291"/>
+          </a:xfrm>
+          <a:prstGeom prst="roundRect">
+            <a:avLst/>
+          </a:prstGeom>
+          <a:ln>
+            <a:solidFill>
+              <a:schemeClr val="tx1"/>
+            </a:solidFill>
+          </a:ln>
+        </p:spPr>
+        <p:style>
+          <a:lnRef idx="2">
+            <a:schemeClr val="accent6"/>
+          </a:lnRef>
+          <a:fillRef idx="1">
+            <a:schemeClr val="lt1"/>
+          </a:fillRef>
+          <a:effectRef idx="0">
+            <a:schemeClr val="accent6"/>
+          </a:effectRef>
+          <a:fontRef idx="minor">
+            <a:schemeClr val="dk1"/>
+          </a:fontRef>
+        </p:style>
+        <p:txBody>
+          <a:bodyPr rtlCol="0" anchor="ctr"/>
+          <a:lstStyle/>
+          <a:p>
+            <a:pPr algn="ctr"/>
+            <a:r>
+              <a:rPr lang="zh-TW" altLang="en-US" sz="2800" dirty="0">
+                <a:ln w="0"/>
+                <a:solidFill>
+                  <a:srgbClr val="FF0000"/>
+                </a:solidFill>
+                <a:effectLst>
+                  <a:outerShdw blurRad="38100" dist="19050" dir="2700000" algn="tl" rotWithShape="0">
+                    <a:schemeClr val="dk1">
+                      <a:alpha val="40000"/>
+                    </a:schemeClr>
+                  </a:outerShdw>
+                </a:effectLst>
+              </a:rPr>
+              <a:t>訂單狀態</a:t>
+            </a:r>
+            <a:endParaRPr lang="zh-TW" altLang="en-US" sz="2400" dirty="0">
+              <a:ln w="0"/>
+              <a:solidFill>
+                <a:schemeClr val="tx1"/>
+              </a:solidFill>
+              <a:effectLst>
+                <a:outerShdw blurRad="38100" dist="19050" dir="2700000" algn="tl" rotWithShape="0">
+                  <a:schemeClr val="dk1">
+                    <a:alpha val="40000"/>
+                  </a:schemeClr>
+                </a:outerShdw>
+              </a:effectLst>
+            </a:endParaRPr>
+          </a:p>
+        </p:txBody>
+      </p:sp>
     </p:spTree>
     <p:extLst>
       <p:ext uri="{BB962C8B-B14F-4D97-AF65-F5344CB8AC3E}">
@@ -11672,7 +12617,7 @@
         <p14:pan dir="u"/>
       </p:transition>
     </mc:Choice>
-    <mc:Fallback xmlns:p159="http://schemas.microsoft.com/office/powerpoint/2015/09/main" xmlns:p15="http://schemas.microsoft.com/office/powerpoint/2012/main" xmlns:a14="http://schemas.microsoft.com/office/drawing/2010/main" xmlns:wp="http://schemas.openxmlformats.org/drawingml/2006/wordprocessingDrawing" xmlns:w="http://schemas.openxmlformats.org/wordprocessingml/2006/main" xmlns:m="http://schemas.openxmlformats.org/officeDocument/2006/math" xmlns="">
+    <mc:Fallback xmlns="" xmlns:m="http://schemas.openxmlformats.org/officeDocument/2006/math" xmlns:w="http://schemas.openxmlformats.org/wordprocessingml/2006/main" xmlns:wp="http://schemas.openxmlformats.org/drawingml/2006/wordprocessingDrawing" xmlns:a14="http://schemas.microsoft.com/office/drawing/2010/main" xmlns:p15="http://schemas.microsoft.com/office/powerpoint/2012/main" xmlns:p159="http://schemas.microsoft.com/office/powerpoint/2015/09/main">
       <p:transition spd="slow" advClick="0">
         <p:fade/>
       </p:transition>

--- a/ppt/Java_AILaptopMall開發.pptx
+++ b/ppt/Java_AILaptopMall開發.pptx
@@ -233,7 +233,7 @@
           <a:p>
             <a:fld id="{42DB6BBA-35AC-4C23-AAF0-9ABB5E4986B6}" type="datetimeFigureOut">
               <a:rPr lang="zh-CN" altLang="en-US" smtClean="0"/>
-              <a:t>2024/10/20</a:t>
+              <a:t>2024/10/21</a:t>
             </a:fld>
             <a:endParaRPr lang="zh-CN" altLang="en-US"/>
           </a:p>
@@ -938,6 +938,149 @@
       </p:grpSpPr>
       <p:sp>
         <p:nvSpPr>
+          <p:cNvPr id="2" name="投影片影像版面配置區 1"/>
+          <p:cNvSpPr>
+            <a:spLocks noGrp="1" noRot="1" noChangeAspect="1"/>
+          </p:cNvSpPr>
+          <p:nvPr>
+            <p:ph type="sldImg"/>
+          </p:nvPr>
+        </p:nvSpPr>
+        <p:spPr/>
+      </p:sp>
+      <p:sp>
+        <p:nvSpPr>
+          <p:cNvPr id="3" name="備忘稿版面配置區 2"/>
+          <p:cNvSpPr>
+            <a:spLocks noGrp="1"/>
+          </p:cNvSpPr>
+          <p:nvPr>
+            <p:ph type="body" idx="1"/>
+          </p:nvPr>
+        </p:nvSpPr>
+        <p:spPr/>
+        <p:txBody>
+          <a:bodyPr/>
+          <a:lstStyle/>
+          <a:p>
+            <a:r>
+              <a:rPr lang="zh-TW" altLang="en-US" dirty="0"/>
+              <a:t>在</a:t>
+            </a:r>
+            <a:r>
+              <a:rPr lang="en-US" altLang="zh-TW" dirty="0"/>
+              <a:t>Entity</a:t>
+            </a:r>
+            <a:r>
+              <a:rPr lang="zh-TW" altLang="en-US" dirty="0"/>
+              <a:t>回傳到</a:t>
+            </a:r>
+            <a:r>
+              <a:rPr lang="en-US" altLang="zh-TW" dirty="0"/>
+              <a:t>Controller,</a:t>
+            </a:r>
+          </a:p>
+          <a:p>
+            <a:r>
+              <a:rPr lang="zh-TW" altLang="en-US" dirty="0"/>
+              <a:t>並根據需求將</a:t>
+            </a:r>
+            <a:r>
+              <a:rPr lang="en-US" altLang="zh-TW" dirty="0"/>
+              <a:t>Entity</a:t>
+            </a:r>
+            <a:r>
+              <a:rPr lang="zh-TW" altLang="en-US" dirty="0"/>
+              <a:t>的資料紀錄在</a:t>
+            </a:r>
+            <a:r>
+              <a:rPr lang="en-US" altLang="zh-TW" dirty="0"/>
+              <a:t>request</a:t>
+            </a:r>
+            <a:r>
+              <a:rPr lang="zh-TW" altLang="en-US" dirty="0"/>
+              <a:t>或</a:t>
+            </a:r>
+            <a:r>
+              <a:rPr lang="en-US" altLang="zh-TW" dirty="0"/>
+              <a:t>Session</a:t>
+            </a:r>
+            <a:r>
+              <a:rPr lang="zh-TW" altLang="en-US" dirty="0"/>
+              <a:t>範圍內</a:t>
+            </a:r>
+          </a:p>
+          <a:p>
+            <a:r>
+              <a:rPr lang="zh-TW" altLang="en-US" dirty="0"/>
+              <a:t>透過</a:t>
+            </a:r>
+            <a:r>
+              <a:rPr lang="en-US" altLang="zh-TW" dirty="0"/>
+              <a:t>view</a:t>
+            </a:r>
+            <a:r>
+              <a:rPr lang="zh-TW" altLang="en-US" dirty="0"/>
+              <a:t>產生在瀏覽器網頁內容上</a:t>
+            </a:r>
+          </a:p>
+        </p:txBody>
+      </p:sp>
+      <p:sp>
+        <p:nvSpPr>
+          <p:cNvPr id="4" name="投影片編號版面配置區 3"/>
+          <p:cNvSpPr>
+            <a:spLocks noGrp="1"/>
+          </p:cNvSpPr>
+          <p:nvPr>
+            <p:ph type="sldNum" sz="quarter" idx="5"/>
+          </p:nvPr>
+        </p:nvSpPr>
+        <p:spPr/>
+        <p:txBody>
+          <a:bodyPr/>
+          <a:lstStyle/>
+          <a:p>
+            <a:fld id="{64D26F9E-6EDA-4219-86D3-A755607105A4}" type="slidenum">
+              <a:rPr lang="zh-CN" altLang="en-US" smtClean="0"/>
+              <a:t>11</a:t>
+            </a:fld>
+            <a:endParaRPr lang="zh-CN" altLang="en-US"/>
+          </a:p>
+        </p:txBody>
+      </p:sp>
+    </p:spTree>
+    <p:extLst>
+      <p:ext uri="{BB962C8B-B14F-4D97-AF65-F5344CB8AC3E}">
+        <p14:creationId xmlns:p14="http://schemas.microsoft.com/office/powerpoint/2010/main" val="3201383919"/>
+      </p:ext>
+    </p:extLst>
+  </p:cSld>
+  <p:clrMapOvr>
+    <a:masterClrMapping/>
+  </p:clrMapOvr>
+</p:notes>
+</file>
+
+<file path=ppt/notesSlides/notesSlide5.xml><?xml version="1.0" encoding="utf-8"?>
+<p:notes xmlns:a="http://schemas.openxmlformats.org/drawingml/2006/main" xmlns:r="http://schemas.openxmlformats.org/officeDocument/2006/relationships" xmlns:p="http://schemas.openxmlformats.org/presentationml/2006/main">
+  <p:cSld>
+    <p:spTree>
+      <p:nvGrpSpPr>
+        <p:cNvPr id="1" name=""/>
+        <p:cNvGrpSpPr/>
+        <p:nvPr/>
+      </p:nvGrpSpPr>
+      <p:grpSpPr>
+        <a:xfrm>
+          <a:off x="0" y="0"/>
+          <a:ext cx="0" cy="0"/>
+          <a:chOff x="0" y="0"/>
+          <a:chExt cx="0" cy="0"/>
+        </a:xfrm>
+      </p:grpSpPr>
+      <p:sp>
+        <p:nvSpPr>
           <p:cNvPr id="2" name="幻灯片图像占位符 1"/>
           <p:cNvSpPr>
             <a:spLocks noGrp="1" noRot="1" noChangeAspect="1"/>
@@ -1092,7 +1235,7 @@
         <p14:pan dir="u"/>
       </p:transition>
     </mc:Choice>
-    <mc:Fallback xmlns="" xmlns:m="http://schemas.openxmlformats.org/officeDocument/2006/math" xmlns:w="http://schemas.openxmlformats.org/wordprocessingml/2006/main" xmlns:wp="http://schemas.openxmlformats.org/drawingml/2006/wordprocessingDrawing" xmlns:a14="http://schemas.microsoft.com/office/drawing/2010/main" xmlns:p15="http://schemas.microsoft.com/office/powerpoint/2012/main" xmlns:p159="http://schemas.microsoft.com/office/powerpoint/2015/09/main">
+    <mc:Fallback xmlns:p159="http://schemas.microsoft.com/office/powerpoint/2015/09/main" xmlns:p15="http://schemas.microsoft.com/office/powerpoint/2012/main" xmlns:a14="http://schemas.microsoft.com/office/drawing/2010/main" xmlns:wp="http://schemas.openxmlformats.org/drawingml/2006/wordprocessingDrawing" xmlns:w="http://schemas.openxmlformats.org/wordprocessingml/2006/main" xmlns:m="http://schemas.openxmlformats.org/officeDocument/2006/math" xmlns="">
       <p:transition spd="slow" advClick="0">
         <p:fade/>
       </p:transition>
@@ -1134,7 +1277,7 @@
         <p14:pan dir="u"/>
       </p:transition>
     </mc:Choice>
-    <mc:Fallback xmlns="" xmlns:m="http://schemas.openxmlformats.org/officeDocument/2006/math" xmlns:w="http://schemas.openxmlformats.org/wordprocessingml/2006/main" xmlns:wp="http://schemas.openxmlformats.org/drawingml/2006/wordprocessingDrawing" xmlns:a14="http://schemas.microsoft.com/office/drawing/2010/main" xmlns:p15="http://schemas.microsoft.com/office/powerpoint/2012/main" xmlns:p159="http://schemas.microsoft.com/office/powerpoint/2015/09/main">
+    <mc:Fallback xmlns:p159="http://schemas.microsoft.com/office/powerpoint/2015/09/main" xmlns:p15="http://schemas.microsoft.com/office/powerpoint/2012/main" xmlns:a14="http://schemas.microsoft.com/office/drawing/2010/main" xmlns:wp="http://schemas.openxmlformats.org/drawingml/2006/wordprocessingDrawing" xmlns:w="http://schemas.openxmlformats.org/wordprocessingml/2006/main" xmlns:m="http://schemas.openxmlformats.org/officeDocument/2006/math" xmlns="">
       <p:transition spd="slow" advClick="0">
         <p:fade/>
       </p:transition>
@@ -1176,7 +1319,7 @@
         <p14:pan dir="u"/>
       </p:transition>
     </mc:Choice>
-    <mc:Fallback xmlns="" xmlns:m="http://schemas.openxmlformats.org/officeDocument/2006/math" xmlns:w="http://schemas.openxmlformats.org/wordprocessingml/2006/main" xmlns:wp="http://schemas.openxmlformats.org/drawingml/2006/wordprocessingDrawing" xmlns:a14="http://schemas.microsoft.com/office/drawing/2010/main" xmlns:p15="http://schemas.microsoft.com/office/powerpoint/2012/main" xmlns:p159="http://schemas.microsoft.com/office/powerpoint/2015/09/main">
+    <mc:Fallback xmlns:p159="http://schemas.microsoft.com/office/powerpoint/2015/09/main" xmlns:p15="http://schemas.microsoft.com/office/powerpoint/2012/main" xmlns:a14="http://schemas.microsoft.com/office/drawing/2010/main" xmlns:wp="http://schemas.openxmlformats.org/drawingml/2006/wordprocessingDrawing" xmlns:w="http://schemas.openxmlformats.org/wordprocessingml/2006/main" xmlns:m="http://schemas.openxmlformats.org/officeDocument/2006/math" xmlns="">
       <p:transition spd="slow" advClick="0">
         <p:fade/>
       </p:transition>
@@ -1281,7 +1424,7 @@
                 <a:latin typeface="Source Han Sans TC"/>
                 <a:ea typeface="Source Han Sans TC"/>
               </a:rPr>
-              <a:t>2024/10/20</a:t>
+              <a:t>2024/10/21</a:t>
             </a:fld>
             <a:endParaRPr lang="zh-CN" altLang="en-US"/>
           </a:p>
@@ -1380,7 +1523,7 @@
         <p14:pan dir="u"/>
       </p:transition>
     </mc:Choice>
-    <mc:Fallback xmlns="" xmlns:m="http://schemas.openxmlformats.org/officeDocument/2006/math" xmlns:w="http://schemas.openxmlformats.org/wordprocessingml/2006/main" xmlns:wp="http://schemas.openxmlformats.org/drawingml/2006/wordprocessingDrawing" xmlns:a14="http://schemas.microsoft.com/office/drawing/2010/main" xmlns:p15="http://schemas.microsoft.com/office/powerpoint/2012/main" xmlns:p159="http://schemas.microsoft.com/office/powerpoint/2015/09/main">
+    <mc:Fallback xmlns:p159="http://schemas.microsoft.com/office/powerpoint/2015/09/main" xmlns:p15="http://schemas.microsoft.com/office/powerpoint/2012/main" xmlns:a14="http://schemas.microsoft.com/office/drawing/2010/main" xmlns:wp="http://schemas.openxmlformats.org/drawingml/2006/wordprocessingDrawing" xmlns:w="http://schemas.openxmlformats.org/wordprocessingml/2006/main" xmlns:m="http://schemas.openxmlformats.org/officeDocument/2006/math" xmlns="">
       <p:transition spd="slow" advClick="0">
         <p:fade/>
       </p:transition>
@@ -1443,7 +1586,7 @@
                 <a:latin typeface="Source Han Sans TC"/>
                 <a:ea typeface="Source Han Sans TC"/>
               </a:rPr>
-              <a:t>2024/10/20</a:t>
+              <a:t>2024/10/21</a:t>
             </a:fld>
             <a:endParaRPr lang="zh-CN" altLang="en-US"/>
           </a:p>
@@ -1542,7 +1685,7 @@
         <p14:pan dir="u"/>
       </p:transition>
     </mc:Choice>
-    <mc:Fallback xmlns="" xmlns:m="http://schemas.openxmlformats.org/officeDocument/2006/math" xmlns:w="http://schemas.openxmlformats.org/wordprocessingml/2006/main" xmlns:wp="http://schemas.openxmlformats.org/drawingml/2006/wordprocessingDrawing" xmlns:a14="http://schemas.microsoft.com/office/drawing/2010/main" xmlns:p15="http://schemas.microsoft.com/office/powerpoint/2012/main" xmlns:p159="http://schemas.microsoft.com/office/powerpoint/2015/09/main">
+    <mc:Fallback xmlns:p159="http://schemas.microsoft.com/office/powerpoint/2015/09/main" xmlns:p15="http://schemas.microsoft.com/office/powerpoint/2012/main" xmlns:a14="http://schemas.microsoft.com/office/drawing/2010/main" xmlns:wp="http://schemas.openxmlformats.org/drawingml/2006/wordprocessingDrawing" xmlns:w="http://schemas.openxmlformats.org/wordprocessingml/2006/main" xmlns:m="http://schemas.openxmlformats.org/officeDocument/2006/math" xmlns="">
       <p:transition spd="slow" advClick="0">
         <p:fade/>
       </p:transition>
@@ -1584,7 +1727,7 @@
         <p14:pan dir="u"/>
       </p:transition>
     </mc:Choice>
-    <mc:Fallback xmlns="" xmlns:m="http://schemas.openxmlformats.org/officeDocument/2006/math" xmlns:w="http://schemas.openxmlformats.org/wordprocessingml/2006/main" xmlns:wp="http://schemas.openxmlformats.org/drawingml/2006/wordprocessingDrawing" xmlns:a14="http://schemas.microsoft.com/office/drawing/2010/main" xmlns:p15="http://schemas.microsoft.com/office/powerpoint/2012/main" xmlns:p159="http://schemas.microsoft.com/office/powerpoint/2015/09/main">
+    <mc:Fallback xmlns:p159="http://schemas.microsoft.com/office/powerpoint/2015/09/main" xmlns:p15="http://schemas.microsoft.com/office/powerpoint/2012/main" xmlns:a14="http://schemas.microsoft.com/office/drawing/2010/main" xmlns:wp="http://schemas.openxmlformats.org/drawingml/2006/wordprocessingDrawing" xmlns:w="http://schemas.openxmlformats.org/wordprocessingml/2006/main" xmlns:m="http://schemas.openxmlformats.org/officeDocument/2006/math" xmlns="">
       <p:transition spd="slow" advClick="0">
         <p:fade/>
       </p:transition>
@@ -1741,7 +1884,7 @@
         <p14:pan dir="u"/>
       </p:transition>
     </mc:Choice>
-    <mc:Fallback xmlns="" xmlns:m="http://schemas.openxmlformats.org/officeDocument/2006/math" xmlns:w="http://schemas.openxmlformats.org/wordprocessingml/2006/main" xmlns:wp="http://schemas.openxmlformats.org/drawingml/2006/wordprocessingDrawing" xmlns:a14="http://schemas.microsoft.com/office/drawing/2010/main" xmlns:p15="http://schemas.microsoft.com/office/powerpoint/2012/main" xmlns:p159="http://schemas.microsoft.com/office/powerpoint/2015/09/main">
+    <mc:Fallback xmlns:p159="http://schemas.microsoft.com/office/powerpoint/2015/09/main" xmlns:p15="http://schemas.microsoft.com/office/powerpoint/2012/main" xmlns:a14="http://schemas.microsoft.com/office/drawing/2010/main" xmlns:wp="http://schemas.openxmlformats.org/drawingml/2006/wordprocessingDrawing" xmlns:w="http://schemas.openxmlformats.org/wordprocessingml/2006/main" xmlns:m="http://schemas.openxmlformats.org/officeDocument/2006/math" xmlns="">
       <p:transition spd="slow" advClick="0">
         <p:fade/>
       </p:transition>
@@ -2721,7 +2864,7 @@
         <p14:pan dir="u"/>
       </p:transition>
     </mc:Choice>
-    <mc:Fallback xmlns="" xmlns:m="http://schemas.openxmlformats.org/officeDocument/2006/math" xmlns:w="http://schemas.openxmlformats.org/wordprocessingml/2006/main" xmlns:wp="http://schemas.openxmlformats.org/drawingml/2006/wordprocessingDrawing" xmlns:a14="http://schemas.microsoft.com/office/drawing/2010/main" xmlns:p15="http://schemas.microsoft.com/office/powerpoint/2012/main" xmlns:p159="http://schemas.microsoft.com/office/powerpoint/2015/09/main">
+    <mc:Fallback xmlns:p159="http://schemas.microsoft.com/office/powerpoint/2015/09/main" xmlns:p15="http://schemas.microsoft.com/office/powerpoint/2012/main" xmlns:a14="http://schemas.microsoft.com/office/drawing/2010/main" xmlns:wp="http://schemas.openxmlformats.org/drawingml/2006/wordprocessingDrawing" xmlns:w="http://schemas.openxmlformats.org/wordprocessingml/2006/main" xmlns:m="http://schemas.openxmlformats.org/officeDocument/2006/math" xmlns="">
       <p:transition spd="slow" advClick="0">
         <p:fade/>
       </p:transition>
@@ -3461,7 +3604,7 @@
         <p14:pan dir="u"/>
       </p:transition>
     </mc:Choice>
-    <mc:Fallback xmlns="" xmlns:m="http://schemas.openxmlformats.org/officeDocument/2006/math" xmlns:w="http://schemas.openxmlformats.org/wordprocessingml/2006/main" xmlns:wp="http://schemas.openxmlformats.org/drawingml/2006/wordprocessingDrawing" xmlns:a14="http://schemas.microsoft.com/office/drawing/2010/main" xmlns:p15="http://schemas.microsoft.com/office/powerpoint/2012/main" xmlns:p159="http://schemas.microsoft.com/office/powerpoint/2015/09/main">
+    <mc:Fallback xmlns:p159="http://schemas.microsoft.com/office/powerpoint/2015/09/main" xmlns:p15="http://schemas.microsoft.com/office/powerpoint/2012/main" xmlns:a14="http://schemas.microsoft.com/office/drawing/2010/main" xmlns:wp="http://schemas.openxmlformats.org/drawingml/2006/wordprocessingDrawing" xmlns:w="http://schemas.openxmlformats.org/wordprocessingml/2006/main" xmlns:m="http://schemas.openxmlformats.org/officeDocument/2006/math" xmlns="">
       <p:transition spd="slow" advClick="0">
         <p:fade/>
       </p:transition>
@@ -3682,7 +3825,7 @@
           <p:nvPr/>
         </p:nvPicPr>
         <p:blipFill>
-          <a:blip r:embed="rId2">
+          <a:blip r:embed="rId3">
             <a:extLst>
               <a:ext uri="{28A0092B-C50C-407E-A947-70E740481C1C}">
                 <a14:useLocalDpi xmlns:a14="http://schemas.microsoft.com/office/drawing/2010/main" val="0"/>
@@ -3885,7 +4028,7 @@
           <p:nvPr/>
         </p:nvPicPr>
         <p:blipFill>
-          <a:blip r:embed="rId3">
+          <a:blip r:embed="rId4">
             <a:extLst>
               <a:ext uri="{28A0092B-C50C-407E-A947-70E740481C1C}">
                 <a14:useLocalDpi xmlns:a14="http://schemas.microsoft.com/office/drawing/2010/main" val="0"/>
@@ -4299,7 +4442,7 @@
           <p:nvPr/>
         </p:nvPicPr>
         <p:blipFill>
-          <a:blip r:embed="rId4">
+          <a:blip r:embed="rId5">
             <a:extLst>
               <a:ext uri="{28A0092B-C50C-407E-A947-70E740481C1C}">
                 <a14:useLocalDpi xmlns:a14="http://schemas.microsoft.com/office/drawing/2010/main" val="0"/>
@@ -5075,7 +5218,7 @@
         <p14:pan dir="u"/>
       </p:transition>
     </mc:Choice>
-    <mc:Fallback xmlns="" xmlns:m="http://schemas.openxmlformats.org/officeDocument/2006/math" xmlns:w="http://schemas.openxmlformats.org/wordprocessingml/2006/main" xmlns:wp="http://schemas.openxmlformats.org/drawingml/2006/wordprocessingDrawing" xmlns:a14="http://schemas.microsoft.com/office/drawing/2010/main" xmlns:p15="http://schemas.microsoft.com/office/powerpoint/2012/main" xmlns:p159="http://schemas.microsoft.com/office/powerpoint/2015/09/main">
+    <mc:Fallback xmlns:p159="http://schemas.microsoft.com/office/powerpoint/2015/09/main" xmlns:p15="http://schemas.microsoft.com/office/powerpoint/2012/main" xmlns:a14="http://schemas.microsoft.com/office/drawing/2010/main" xmlns:wp="http://schemas.openxmlformats.org/drawingml/2006/wordprocessingDrawing" xmlns:w="http://schemas.openxmlformats.org/wordprocessingml/2006/main" xmlns:m="http://schemas.openxmlformats.org/officeDocument/2006/math" xmlns="">
       <p:transition spd="slow" advClick="0">
         <p:fade/>
       </p:transition>
@@ -5679,7 +5822,7 @@
         <p14:pan dir="u"/>
       </p:transition>
     </mc:Choice>
-    <mc:Fallback xmlns="" xmlns:m="http://schemas.openxmlformats.org/officeDocument/2006/math" xmlns:w="http://schemas.openxmlformats.org/wordprocessingml/2006/main" xmlns:wp="http://schemas.openxmlformats.org/drawingml/2006/wordprocessingDrawing" xmlns:a14="http://schemas.microsoft.com/office/drawing/2010/main" xmlns:p15="http://schemas.microsoft.com/office/powerpoint/2012/main" xmlns:p159="http://schemas.microsoft.com/office/powerpoint/2015/09/main">
+    <mc:Fallback xmlns:p159="http://schemas.microsoft.com/office/powerpoint/2015/09/main" xmlns:p15="http://schemas.microsoft.com/office/powerpoint/2012/main" xmlns:a14="http://schemas.microsoft.com/office/drawing/2010/main" xmlns:wp="http://schemas.openxmlformats.org/drawingml/2006/wordprocessingDrawing" xmlns:w="http://schemas.openxmlformats.org/wordprocessingml/2006/main" xmlns:m="http://schemas.openxmlformats.org/officeDocument/2006/math" xmlns="">
       <p:transition spd="slow" advClick="0">
         <p:fade/>
       </p:transition>
@@ -6160,7 +6303,7 @@
         <p14:pan dir="u"/>
       </p:transition>
     </mc:Choice>
-    <mc:Fallback xmlns="" xmlns:m="http://schemas.openxmlformats.org/officeDocument/2006/math" xmlns:w="http://schemas.openxmlformats.org/wordprocessingml/2006/main" xmlns:wp="http://schemas.openxmlformats.org/drawingml/2006/wordprocessingDrawing" xmlns:a14="http://schemas.microsoft.com/office/drawing/2010/main" xmlns:p15="http://schemas.microsoft.com/office/powerpoint/2012/main" xmlns:p159="http://schemas.microsoft.com/office/powerpoint/2015/09/main">
+    <mc:Fallback xmlns:p159="http://schemas.microsoft.com/office/powerpoint/2015/09/main" xmlns:p15="http://schemas.microsoft.com/office/powerpoint/2012/main" xmlns:a14="http://schemas.microsoft.com/office/drawing/2010/main" xmlns:wp="http://schemas.openxmlformats.org/drawingml/2006/wordprocessingDrawing" xmlns:w="http://schemas.openxmlformats.org/wordprocessingml/2006/main" xmlns:m="http://schemas.openxmlformats.org/officeDocument/2006/math" xmlns="">
       <p:transition spd="slow" advClick="0">
         <p:fade/>
       </p:transition>
@@ -6585,7 +6728,7 @@
         <p14:ferris dir="l"/>
       </p:transition>
     </mc:Choice>
-    <mc:Fallback xmlns="" xmlns:m="http://schemas.openxmlformats.org/officeDocument/2006/math" xmlns:w="http://schemas.openxmlformats.org/wordprocessingml/2006/main" xmlns:wp="http://schemas.openxmlformats.org/drawingml/2006/wordprocessingDrawing" xmlns:a14="http://schemas.microsoft.com/office/drawing/2010/main" xmlns:p15="http://schemas.microsoft.com/office/powerpoint/2012/main" xmlns:p159="http://schemas.microsoft.com/office/powerpoint/2015/09/main">
+    <mc:Fallback xmlns:p159="http://schemas.microsoft.com/office/powerpoint/2015/09/main" xmlns:p15="http://schemas.microsoft.com/office/powerpoint/2012/main" xmlns:a14="http://schemas.microsoft.com/office/drawing/2010/main" xmlns:wp="http://schemas.openxmlformats.org/drawingml/2006/wordprocessingDrawing" xmlns:w="http://schemas.openxmlformats.org/wordprocessingml/2006/main" xmlns:m="http://schemas.openxmlformats.org/officeDocument/2006/math" xmlns="">
       <p:transition spd="slow" advClick="0">
         <p:fade/>
       </p:transition>
@@ -7119,7 +7262,7 @@
         <p14:pan dir="u"/>
       </p:transition>
     </mc:Choice>
-    <mc:Fallback xmlns="" xmlns:m="http://schemas.openxmlformats.org/officeDocument/2006/math" xmlns:w="http://schemas.openxmlformats.org/wordprocessingml/2006/main" xmlns:wp="http://schemas.openxmlformats.org/drawingml/2006/wordprocessingDrawing" xmlns:a14="http://schemas.microsoft.com/office/drawing/2010/main" xmlns:p15="http://schemas.microsoft.com/office/powerpoint/2012/main" xmlns:p159="http://schemas.microsoft.com/office/powerpoint/2015/09/main">
+    <mc:Fallback xmlns:p159="http://schemas.microsoft.com/office/powerpoint/2015/09/main" xmlns:p15="http://schemas.microsoft.com/office/powerpoint/2012/main" xmlns:a14="http://schemas.microsoft.com/office/drawing/2010/main" xmlns:wp="http://schemas.openxmlformats.org/drawingml/2006/wordprocessingDrawing" xmlns:w="http://schemas.openxmlformats.org/wordprocessingml/2006/main" xmlns:m="http://schemas.openxmlformats.org/officeDocument/2006/math" xmlns="">
       <p:transition spd="slow" advClick="0">
         <p:fade/>
       </p:transition>
@@ -7469,9 +7612,31 @@
           </a:bodyPr>
           <a:lstStyle/>
           <a:p>
+            <a:pPr marL="742950" indent="-742950">
+              <a:buFont typeface="+mj-lt"/>
+              <a:buAutoNum type="arabicPeriod"/>
+            </a:pPr>
             <a:r>
               <a:rPr lang="zh-TW" altLang="en-US" sz="3600" dirty="0"/>
-              <a:t>隨著</a:t>
+              <a:t>筆電是開發人員的核心工作工具，幾乎每天都需要依賴它進行各種任務。</a:t>
+            </a:r>
+            <a:endParaRPr lang="en-US" altLang="zh-TW" sz="3600" dirty="0"/>
+          </a:p>
+          <a:p>
+            <a:pPr marL="742950" indent="-742950">
+              <a:buFont typeface="+mj-lt"/>
+              <a:buAutoNum type="arabicPeriod"/>
+            </a:pPr>
+            <a:endParaRPr lang="en-US" altLang="zh-TW" sz="3600" dirty="0"/>
+          </a:p>
+          <a:p>
+            <a:pPr marL="742950" indent="-742950">
+              <a:buFont typeface="+mj-lt"/>
+              <a:buAutoNum type="arabicPeriod"/>
+            </a:pPr>
+            <a:r>
+              <a:rPr lang="zh-TW" altLang="en-US" sz="3600" dirty="0"/>
+              <a:t>近年來，</a:t>
             </a:r>
             <a:r>
               <a:rPr lang="en-US" altLang="zh-TW" sz="3600" dirty="0"/>
@@ -7479,31 +7644,7 @@
             </a:r>
             <a:r>
               <a:rPr lang="zh-TW" altLang="en-US" sz="3600" dirty="0"/>
-              <a:t>技術日益普及，消費者對具備高效能與</a:t>
-            </a:r>
-            <a:r>
-              <a:rPr lang="en-US" altLang="zh-TW" sz="3600" dirty="0"/>
-              <a:t>AI</a:t>
-            </a:r>
-            <a:r>
-              <a:rPr lang="zh-TW" altLang="en-US" sz="3600" dirty="0"/>
-              <a:t>功能的筆電需求不斷增加。因此，決定開發這個專屬於</a:t>
-            </a:r>
-            <a:r>
-              <a:rPr lang="en-US" altLang="zh-TW" sz="3600" dirty="0"/>
-              <a:t>AI</a:t>
-            </a:r>
-            <a:r>
-              <a:rPr lang="zh-TW" altLang="en-US" sz="3600" dirty="0"/>
-              <a:t>筆電的網站，目標是提供專業資訊、精準推薦和優質購物體驗，讓消費者更輕鬆找到符合需求的</a:t>
-            </a:r>
-            <a:r>
-              <a:rPr lang="en-US" altLang="zh-TW" sz="3600" dirty="0"/>
-              <a:t>AI</a:t>
-            </a:r>
-            <a:r>
-              <a:rPr lang="zh-TW" altLang="en-US" sz="3600" dirty="0"/>
-              <a:t>筆電。</a:t>
+              <a:t>技術蓬勃發展，相關話題備受關注，促使更多人投入其中，市場需求也逐漸提升。</a:t>
             </a:r>
             <a:endParaRPr lang="zh-TW" altLang="en-US" sz="3600" dirty="0">
               <a:solidFill>
@@ -7604,7 +7745,7 @@
         <p14:pan dir="u"/>
       </p:transition>
     </mc:Choice>
-    <mc:Fallback xmlns="" xmlns:m="http://schemas.openxmlformats.org/officeDocument/2006/math" xmlns:w="http://schemas.openxmlformats.org/wordprocessingml/2006/main" xmlns:wp="http://schemas.openxmlformats.org/drawingml/2006/wordprocessingDrawing" xmlns:a14="http://schemas.microsoft.com/office/drawing/2010/main" xmlns:p15="http://schemas.microsoft.com/office/powerpoint/2012/main" xmlns:p159="http://schemas.microsoft.com/office/powerpoint/2015/09/main">
+    <mc:Fallback xmlns:p159="http://schemas.microsoft.com/office/powerpoint/2015/09/main" xmlns:p15="http://schemas.microsoft.com/office/powerpoint/2012/main" xmlns:a14="http://schemas.microsoft.com/office/drawing/2010/main" xmlns:wp="http://schemas.openxmlformats.org/drawingml/2006/wordprocessingDrawing" xmlns:w="http://schemas.openxmlformats.org/wordprocessingml/2006/main" xmlns:m="http://schemas.openxmlformats.org/officeDocument/2006/math" xmlns="">
       <p:transition spd="slow" advClick="0">
         <p:fade/>
       </p:transition>
@@ -8184,7 +8325,7 @@
         <p14:pan dir="u"/>
       </p:transition>
     </mc:Choice>
-    <mc:Fallback xmlns="" xmlns:m="http://schemas.openxmlformats.org/officeDocument/2006/math" xmlns:w="http://schemas.openxmlformats.org/wordprocessingml/2006/main" xmlns:wp="http://schemas.openxmlformats.org/drawingml/2006/wordprocessingDrawing" xmlns:a14="http://schemas.microsoft.com/office/drawing/2010/main" xmlns:p15="http://schemas.microsoft.com/office/powerpoint/2012/main" xmlns:p159="http://schemas.microsoft.com/office/powerpoint/2015/09/main">
+    <mc:Fallback xmlns:p159="http://schemas.microsoft.com/office/powerpoint/2015/09/main" xmlns:p15="http://schemas.microsoft.com/office/powerpoint/2012/main" xmlns:a14="http://schemas.microsoft.com/office/drawing/2010/main" xmlns:wp="http://schemas.openxmlformats.org/drawingml/2006/wordprocessingDrawing" xmlns:w="http://schemas.openxmlformats.org/wordprocessingml/2006/main" xmlns:m="http://schemas.openxmlformats.org/officeDocument/2006/math" xmlns="">
       <p:transition spd="slow" advClick="0">
         <p:fade/>
       </p:transition>
@@ -9681,7 +9822,7 @@
         <p14:pan dir="u"/>
       </p:transition>
     </mc:Choice>
-    <mc:Fallback xmlns="" xmlns:m="http://schemas.openxmlformats.org/officeDocument/2006/math" xmlns:w="http://schemas.openxmlformats.org/wordprocessingml/2006/main" xmlns:wp="http://schemas.openxmlformats.org/drawingml/2006/wordprocessingDrawing" xmlns:a14="http://schemas.microsoft.com/office/drawing/2010/main" xmlns:p15="http://schemas.microsoft.com/office/powerpoint/2012/main" xmlns:p159="http://schemas.microsoft.com/office/powerpoint/2015/09/main">
+    <mc:Fallback xmlns:p159="http://schemas.microsoft.com/office/powerpoint/2015/09/main" xmlns:p15="http://schemas.microsoft.com/office/powerpoint/2012/main" xmlns:a14="http://schemas.microsoft.com/office/drawing/2010/main" xmlns:wp="http://schemas.openxmlformats.org/drawingml/2006/wordprocessingDrawing" xmlns:w="http://schemas.openxmlformats.org/wordprocessingml/2006/main" xmlns:m="http://schemas.openxmlformats.org/officeDocument/2006/math" xmlns="">
       <p:transition spd="slow" advClick="0">
         <p:fade/>
       </p:transition>
@@ -10273,7 +10414,7 @@
         <p14:pan dir="u"/>
       </p:transition>
     </mc:Choice>
-    <mc:Fallback xmlns="" xmlns:m="http://schemas.openxmlformats.org/officeDocument/2006/math" xmlns:w="http://schemas.openxmlformats.org/wordprocessingml/2006/main" xmlns:wp="http://schemas.openxmlformats.org/drawingml/2006/wordprocessingDrawing" xmlns:a14="http://schemas.microsoft.com/office/drawing/2010/main" xmlns:p15="http://schemas.microsoft.com/office/powerpoint/2012/main" xmlns:p159="http://schemas.microsoft.com/office/powerpoint/2015/09/main">
+    <mc:Fallback xmlns:p159="http://schemas.microsoft.com/office/powerpoint/2015/09/main" xmlns:p15="http://schemas.microsoft.com/office/powerpoint/2012/main" xmlns:a14="http://schemas.microsoft.com/office/drawing/2010/main" xmlns:wp="http://schemas.openxmlformats.org/drawingml/2006/wordprocessingDrawing" xmlns:w="http://schemas.openxmlformats.org/wordprocessingml/2006/main" xmlns:m="http://schemas.openxmlformats.org/officeDocument/2006/math" xmlns="">
       <p:transition spd="slow" advClick="0">
         <p:fade/>
       </p:transition>
@@ -10609,7 +10750,7 @@
         </p:nvSpPr>
         <p:spPr>
           <a:xfrm>
-            <a:off x="10014408" y="6174557"/>
+            <a:off x="10128708" y="123399"/>
             <a:ext cx="2177592" cy="338554"/>
           </a:xfrm>
           <a:prstGeom prst="rect">
@@ -10667,10 +10808,10 @@
       </p:sp>
       <p:pic>
         <p:nvPicPr>
-          <p:cNvPr id="6" name="圖片 5">
+          <p:cNvPr id="7" name="圖片 6">
             <a:extLst>
               <a:ext uri="{FF2B5EF4-FFF2-40B4-BE49-F238E27FC236}">
-                <a16:creationId xmlns:a16="http://schemas.microsoft.com/office/drawing/2014/main" id="{DC88B7C6-5E1A-03B0-F34C-72220DD317F1}"/>
+                <a16:creationId xmlns:a16="http://schemas.microsoft.com/office/drawing/2014/main" id="{20521799-B0AB-E736-554C-67D82089797F}"/>
               </a:ext>
             </a:extLst>
           </p:cNvPr>
@@ -10687,8 +10828,8 @@
         </p:blipFill>
         <p:spPr>
           <a:xfrm>
-            <a:off x="1030733" y="975932"/>
-            <a:ext cx="9039224" cy="5831820"/>
+            <a:off x="333375" y="923906"/>
+            <a:ext cx="11563350" cy="5731674"/>
           </a:xfrm>
           <a:prstGeom prst="rect">
             <a:avLst/>
@@ -10711,7 +10852,7 @@
         <p14:pan dir="u"/>
       </p:transition>
     </mc:Choice>
-    <mc:Fallback xmlns="" xmlns:m="http://schemas.openxmlformats.org/officeDocument/2006/math" xmlns:w="http://schemas.openxmlformats.org/wordprocessingml/2006/main" xmlns:wp="http://schemas.openxmlformats.org/drawingml/2006/wordprocessingDrawing" xmlns:a14="http://schemas.microsoft.com/office/drawing/2010/main" xmlns:p15="http://schemas.microsoft.com/office/powerpoint/2012/main" xmlns:p159="http://schemas.microsoft.com/office/powerpoint/2015/09/main">
+    <mc:Fallback xmlns:p159="http://schemas.microsoft.com/office/powerpoint/2015/09/main" xmlns:p15="http://schemas.microsoft.com/office/powerpoint/2012/main" xmlns:a14="http://schemas.microsoft.com/office/drawing/2010/main" xmlns:wp="http://schemas.openxmlformats.org/drawingml/2006/wordprocessingDrawing" xmlns:w="http://schemas.openxmlformats.org/wordprocessingml/2006/main" xmlns:m="http://schemas.openxmlformats.org/officeDocument/2006/math" xmlns="">
       <p:transition spd="slow" advClick="0">
         <p:fade/>
       </p:transition>
@@ -11303,7 +11444,7 @@
         <p14:pan dir="u"/>
       </p:transition>
     </mc:Choice>
-    <mc:Fallback xmlns="" xmlns:m="http://schemas.openxmlformats.org/officeDocument/2006/math" xmlns:w="http://schemas.openxmlformats.org/wordprocessingml/2006/main" xmlns:wp="http://schemas.openxmlformats.org/drawingml/2006/wordprocessingDrawing" xmlns:a14="http://schemas.microsoft.com/office/drawing/2010/main" xmlns:p15="http://schemas.microsoft.com/office/powerpoint/2012/main" xmlns:p159="http://schemas.microsoft.com/office/powerpoint/2015/09/main">
+    <mc:Fallback xmlns:p159="http://schemas.microsoft.com/office/powerpoint/2015/09/main" xmlns:p15="http://schemas.microsoft.com/office/powerpoint/2012/main" xmlns:a14="http://schemas.microsoft.com/office/drawing/2010/main" xmlns:wp="http://schemas.openxmlformats.org/drawingml/2006/wordprocessingDrawing" xmlns:w="http://schemas.openxmlformats.org/wordprocessingml/2006/main" xmlns:m="http://schemas.openxmlformats.org/officeDocument/2006/math" xmlns="">
       <p:transition spd="slow" advClick="0">
         <p:fade/>
       </p:transition>
@@ -12617,7 +12758,7 @@
         <p14:pan dir="u"/>
       </p:transition>
     </mc:Choice>
-    <mc:Fallback xmlns="" xmlns:m="http://schemas.openxmlformats.org/officeDocument/2006/math" xmlns:w="http://schemas.openxmlformats.org/wordprocessingml/2006/main" xmlns:wp="http://schemas.openxmlformats.org/drawingml/2006/wordprocessingDrawing" xmlns:a14="http://schemas.microsoft.com/office/drawing/2010/main" xmlns:p15="http://schemas.microsoft.com/office/powerpoint/2012/main" xmlns:p159="http://schemas.microsoft.com/office/powerpoint/2015/09/main">
+    <mc:Fallback xmlns:p159="http://schemas.microsoft.com/office/powerpoint/2015/09/main" xmlns:p15="http://schemas.microsoft.com/office/powerpoint/2012/main" xmlns:a14="http://schemas.microsoft.com/office/drawing/2010/main" xmlns:wp="http://schemas.openxmlformats.org/drawingml/2006/wordprocessingDrawing" xmlns:w="http://schemas.openxmlformats.org/wordprocessingml/2006/main" xmlns:m="http://schemas.openxmlformats.org/officeDocument/2006/math" xmlns="">
       <p:transition spd="slow" advClick="0">
         <p:fade/>
       </p:transition>
